--- a/GFG JS Course Curriculam/Articles/008 Document Object MOdel.pptx
+++ b/GFG JS Course Curriculam/Articles/008 Document Object MOdel.pptx
@@ -5752,4 +5752,238 @@
     </a:ext>
   </a:extLst>
 </a:theme>
+</file>
+
+<file path=customXml/item1.xml><?xml version="1.0" encoding="utf-8"?>
+<ct:contentTypeSchema xmlns:ct="http://schemas.microsoft.com/office/2006/metadata/contentType" xmlns:ma="http://schemas.microsoft.com/office/2006/metadata/properties/metaAttributes" ct:_="" ma:_="" ma:contentTypeName="Document" ma:contentTypeID="0x01010025EC667E64F3664AA9FF84395B73BBB2" ma:contentTypeVersion="12" ma:contentTypeDescription="Create a new document." ma:contentTypeScope="" ma:versionID="6b12c4ceb98f90cef75c2b4a7241f9ea">
+  <xsd:schema xmlns:xsd="http://www.w3.org/2001/XMLSchema" xmlns:xs="http://www.w3.org/2001/XMLSchema" xmlns:p="http://schemas.microsoft.com/office/2006/metadata/properties" xmlns:ns2="11dab2fc-a00f-488b-a519-3911044eea4e" xmlns:ns3="202a9836-ee93-41fb-ba3c-167105785a0d" targetNamespace="http://schemas.microsoft.com/office/2006/metadata/properties" ma:root="true" ma:fieldsID="c1df371a784d1a7c3bc1d50e69810467" ns2:_="" ns3:_="">
+    <xsd:import namespace="11dab2fc-a00f-488b-a519-3911044eea4e"/>
+    <xsd:import namespace="202a9836-ee93-41fb-ba3c-167105785a0d"/>
+    <xsd:element name="properties">
+      <xsd:complexType>
+        <xsd:sequence>
+          <xsd:element name="documentManagement">
+            <xsd:complexType>
+              <xsd:all>
+                <xsd:element ref="ns2:MediaServiceMetadata" minOccurs="0"/>
+                <xsd:element ref="ns2:MediaServiceFastMetadata" minOccurs="0"/>
+                <xsd:element ref="ns2:lcf76f155ced4ddcb4097134ff3c332f" minOccurs="0"/>
+                <xsd:element ref="ns3:TaxCatchAll" minOccurs="0"/>
+                <xsd:element ref="ns2:MediaServiceDateTaken" minOccurs="0"/>
+                <xsd:element ref="ns2:MediaServiceOCR" minOccurs="0"/>
+                <xsd:element ref="ns2:MediaServiceGenerationTime" minOccurs="0"/>
+                <xsd:element ref="ns2:MediaServiceEventHashCode" minOccurs="0"/>
+                <xsd:element ref="ns3:SharedWithUsers" minOccurs="0"/>
+                <xsd:element ref="ns3:SharedWithDetails" minOccurs="0"/>
+                <xsd:element ref="ns2:MediaLengthInSeconds" minOccurs="0"/>
+              </xsd:all>
+            </xsd:complexType>
+          </xsd:element>
+        </xsd:sequence>
+      </xsd:complexType>
+    </xsd:element>
+  </xsd:schema>
+  <xsd:schema xmlns:xsd="http://www.w3.org/2001/XMLSchema" xmlns:xs="http://www.w3.org/2001/XMLSchema" xmlns:dms="http://schemas.microsoft.com/office/2006/documentManagement/types" xmlns:pc="http://schemas.microsoft.com/office/infopath/2007/PartnerControls" targetNamespace="11dab2fc-a00f-488b-a519-3911044eea4e" elementFormDefault="qualified">
+    <xsd:import namespace="http://schemas.microsoft.com/office/2006/documentManagement/types"/>
+    <xsd:import namespace="http://schemas.microsoft.com/office/infopath/2007/PartnerControls"/>
+    <xsd:element name="MediaServiceMetadata" ma:index="8" nillable="true" ma:displayName="MediaServiceMetadata" ma:hidden="true" ma:internalName="MediaServiceMetadata" ma:readOnly="true">
+      <xsd:simpleType>
+        <xsd:restriction base="dms:Note"/>
+      </xsd:simpleType>
+    </xsd:element>
+    <xsd:element name="MediaServiceFastMetadata" ma:index="9" nillable="true" ma:displayName="MediaServiceFastMetadata" ma:hidden="true" ma:internalName="MediaServiceFastMetadata" ma:readOnly="true">
+      <xsd:simpleType>
+        <xsd:restriction base="dms:Note"/>
+      </xsd:simpleType>
+    </xsd:element>
+    <xsd:element name="lcf76f155ced4ddcb4097134ff3c332f" ma:index="11" nillable="true" ma:taxonomy="true" ma:internalName="lcf76f155ced4ddcb4097134ff3c332f" ma:taxonomyFieldName="MediaServiceImageTags" ma:displayName="Image Tags" ma:readOnly="false" ma:fieldId="{5cf76f15-5ced-4ddc-b409-7134ff3c332f}" ma:taxonomyMulti="true" ma:sspId="6d165d17-9b79-46c3-82b9-c927e733c429" ma:termSetId="09814cd3-568e-fe90-9814-8d621ff8fb84" ma:anchorId="fba54fb3-c3e1-fe81-a776-ca4b69148c4d" ma:open="true" ma:isKeyword="false">
+      <xsd:complexType>
+        <xsd:sequence>
+          <xsd:element ref="pc:Terms" minOccurs="0" maxOccurs="1"/>
+        </xsd:sequence>
+      </xsd:complexType>
+    </xsd:element>
+    <xsd:element name="MediaServiceDateTaken" ma:index="13" nillable="true" ma:displayName="MediaServiceDateTaken" ma:hidden="true" ma:internalName="MediaServiceDateTaken" ma:readOnly="true">
+      <xsd:simpleType>
+        <xsd:restriction base="dms:Text"/>
+      </xsd:simpleType>
+    </xsd:element>
+    <xsd:element name="MediaServiceOCR" ma:index="14" nillable="true" ma:displayName="Extracted Text" ma:internalName="MediaServiceOCR" ma:readOnly="true">
+      <xsd:simpleType>
+        <xsd:restriction base="dms:Note">
+          <xsd:maxLength value="255"/>
+        </xsd:restriction>
+      </xsd:simpleType>
+    </xsd:element>
+    <xsd:element name="MediaServiceGenerationTime" ma:index="15" nillable="true" ma:displayName="MediaServiceGenerationTime" ma:hidden="true" ma:internalName="MediaServiceGenerationTime" ma:readOnly="true">
+      <xsd:simpleType>
+        <xsd:restriction base="dms:Text"/>
+      </xsd:simpleType>
+    </xsd:element>
+    <xsd:element name="MediaServiceEventHashCode" ma:index="16" nillable="true" ma:displayName="MediaServiceEventHashCode" ma:hidden="true" ma:internalName="MediaServiceEventHashCode" ma:readOnly="true">
+      <xsd:simpleType>
+        <xsd:restriction base="dms:Text"/>
+      </xsd:simpleType>
+    </xsd:element>
+    <xsd:element name="MediaLengthInSeconds" ma:index="19" nillable="true" ma:displayName="MediaLengthInSeconds" ma:hidden="true" ma:internalName="MediaLengthInSeconds" ma:readOnly="true">
+      <xsd:simpleType>
+        <xsd:restriction base="dms:Unknown"/>
+      </xsd:simpleType>
+    </xsd:element>
+  </xsd:schema>
+  <xsd:schema xmlns:xsd="http://www.w3.org/2001/XMLSchema" xmlns:xs="http://www.w3.org/2001/XMLSchema" xmlns:dms="http://schemas.microsoft.com/office/2006/documentManagement/types" xmlns:pc="http://schemas.microsoft.com/office/infopath/2007/PartnerControls" targetNamespace="202a9836-ee93-41fb-ba3c-167105785a0d" elementFormDefault="qualified">
+    <xsd:import namespace="http://schemas.microsoft.com/office/2006/documentManagement/types"/>
+    <xsd:import namespace="http://schemas.microsoft.com/office/infopath/2007/PartnerControls"/>
+    <xsd:element name="TaxCatchAll" ma:index="12" nillable="true" ma:displayName="Taxonomy Catch All Column" ma:hidden="true" ma:list="{15756505-aa7f-4bcc-8574-ad9a60508018}" ma:internalName="TaxCatchAll" ma:showField="CatchAllData" ma:web="202a9836-ee93-41fb-ba3c-167105785a0d">
+      <xsd:complexType>
+        <xsd:complexContent>
+          <xsd:extension base="dms:MultiChoiceLookup">
+            <xsd:sequence>
+              <xsd:element name="Value" type="dms:Lookup" maxOccurs="unbounded" minOccurs="0" nillable="true"/>
+            </xsd:sequence>
+          </xsd:extension>
+        </xsd:complexContent>
+      </xsd:complexType>
+    </xsd:element>
+    <xsd:element name="SharedWithUsers" ma:index="17" nillable="true" ma:displayName="Shared With" ma:internalName="SharedWithUsers" ma:readOnly="true">
+      <xsd:complexType>
+        <xsd:complexContent>
+          <xsd:extension base="dms:UserMulti">
+            <xsd:sequence>
+              <xsd:element name="UserInfo" minOccurs="0" maxOccurs="unbounded">
+                <xsd:complexType>
+                  <xsd:sequence>
+                    <xsd:element name="DisplayName" type="xsd:string" minOccurs="0"/>
+                    <xsd:element name="AccountId" type="dms:UserId" minOccurs="0" nillable="true"/>
+                    <xsd:element name="AccountType" type="xsd:string" minOccurs="0"/>
+                  </xsd:sequence>
+                </xsd:complexType>
+              </xsd:element>
+            </xsd:sequence>
+          </xsd:extension>
+        </xsd:complexContent>
+      </xsd:complexType>
+    </xsd:element>
+    <xsd:element name="SharedWithDetails" ma:index="18" nillable="true" ma:displayName="Shared With Details" ma:internalName="SharedWithDetails" ma:readOnly="true">
+      <xsd:simpleType>
+        <xsd:restriction base="dms:Note">
+          <xsd:maxLength value="255"/>
+        </xsd:restriction>
+      </xsd:simpleType>
+    </xsd:element>
+  </xsd:schema>
+  <xsd:schema xmlns="http://schemas.openxmlformats.org/package/2006/metadata/core-properties" xmlns:xsd="http://www.w3.org/2001/XMLSchema" xmlns:xsi="http://www.w3.org/2001/XMLSchema-instance" xmlns:dc="http://purl.org/dc/elements/1.1/" xmlns:dcterms="http://purl.org/dc/terms/" xmlns:odoc="http://schemas.microsoft.com/internal/obd" targetNamespace="http://schemas.openxmlformats.org/package/2006/metadata/core-properties" elementFormDefault="qualified" attributeFormDefault="unqualified" blockDefault="#all">
+    <xsd:import namespace="http://purl.org/dc/elements/1.1/" schemaLocation="http://dublincore.org/schemas/xmls/qdc/2003/04/02/dc.xsd"/>
+    <xsd:import namespace="http://purl.org/dc/terms/" schemaLocation="http://dublincore.org/schemas/xmls/qdc/2003/04/02/dcterms.xsd"/>
+    <xsd:element name="coreProperties" type="CT_coreProperties"/>
+    <xsd:complexType name="CT_coreProperties">
+      <xsd:all>
+        <xsd:element ref="dc:creator" minOccurs="0" maxOccurs="1"/>
+        <xsd:element ref="dcterms:created" minOccurs="0" maxOccurs="1"/>
+        <xsd:element ref="dc:identifier" minOccurs="0" maxOccurs="1"/>
+        <xsd:element name="contentType" minOccurs="0" maxOccurs="1" type="xsd:string" ma:index="0" ma:displayName="Content Type"/>
+        <xsd:element ref="dc:title" minOccurs="0" maxOccurs="1" ma:index="4" ma:displayName="Title"/>
+        <xsd:element ref="dc:subject" minOccurs="0" maxOccurs="1"/>
+        <xsd:element ref="dc:description" minOccurs="0" maxOccurs="1"/>
+        <xsd:element name="keywords" minOccurs="0" maxOccurs="1" type="xsd:string"/>
+        <xsd:element ref="dc:language" minOccurs="0" maxOccurs="1"/>
+        <xsd:element name="category" minOccurs="0" maxOccurs="1" type="xsd:string"/>
+        <xsd:element name="version" minOccurs="0" maxOccurs="1" type="xsd:string"/>
+        <xsd:element name="revision" minOccurs="0" maxOccurs="1" type="xsd:string">
+          <xsd:annotation>
+            <xsd:documentation>
+                        This value indicates the number of saves or revisions. The application is responsible for updating this value after each revision.
+                    </xsd:documentation>
+          </xsd:annotation>
+        </xsd:element>
+        <xsd:element name="lastModifiedBy" minOccurs="0" maxOccurs="1" type="xsd:string"/>
+        <xsd:element ref="dcterms:modified" minOccurs="0" maxOccurs="1"/>
+        <xsd:element name="contentStatus" minOccurs="0" maxOccurs="1" type="xsd:string"/>
+      </xsd:all>
+    </xsd:complexType>
+  </xsd:schema>
+  <xs:schema xmlns:pc="http://schemas.microsoft.com/office/infopath/2007/PartnerControls" xmlns:xs="http://www.w3.org/2001/XMLSchema" targetNamespace="http://schemas.microsoft.com/office/infopath/2007/PartnerControls" elementFormDefault="qualified" attributeFormDefault="unqualified">
+    <xs:element name="Person">
+      <xs:complexType>
+        <xs:sequence>
+          <xs:element ref="pc:DisplayName" minOccurs="0"/>
+          <xs:element ref="pc:AccountId" minOccurs="0"/>
+          <xs:element ref="pc:AccountType" minOccurs="0"/>
+        </xs:sequence>
+      </xs:complexType>
+    </xs:element>
+    <xs:element name="DisplayName" type="xs:string"/>
+    <xs:element name="AccountId" type="xs:string"/>
+    <xs:element name="AccountType" type="xs:string"/>
+    <xs:element name="BDCAssociatedEntity">
+      <xs:complexType>
+        <xs:sequence>
+          <xs:element ref="pc:BDCEntity" minOccurs="0" maxOccurs="unbounded"/>
+        </xs:sequence>
+        <xs:attribute ref="pc:EntityNamespace"/>
+        <xs:attribute ref="pc:EntityName"/>
+        <xs:attribute ref="pc:SystemInstanceName"/>
+        <xs:attribute ref="pc:AssociationName"/>
+      </xs:complexType>
+    </xs:element>
+    <xs:attribute name="EntityNamespace" type="xs:string"/>
+    <xs:attribute name="EntityName" type="xs:string"/>
+    <xs:attribute name="SystemInstanceName" type="xs:string"/>
+    <xs:attribute name="AssociationName" type="xs:string"/>
+    <xs:element name="BDCEntity">
+      <xs:complexType>
+        <xs:sequence>
+          <xs:element ref="pc:EntityDisplayName" minOccurs="0"/>
+          <xs:element ref="pc:EntityInstanceReference" minOccurs="0"/>
+          <xs:element ref="pc:EntityId1" minOccurs="0"/>
+          <xs:element ref="pc:EntityId2" minOccurs="0"/>
+          <xs:element ref="pc:EntityId3" minOccurs="0"/>
+          <xs:element ref="pc:EntityId4" minOccurs="0"/>
+          <xs:element ref="pc:EntityId5" minOccurs="0"/>
+        </xs:sequence>
+      </xs:complexType>
+    </xs:element>
+    <xs:element name="EntityDisplayName" type="xs:string"/>
+    <xs:element name="EntityInstanceReference" type="xs:string"/>
+    <xs:element name="EntityId1" type="xs:string"/>
+    <xs:element name="EntityId2" type="xs:string"/>
+    <xs:element name="EntityId3" type="xs:string"/>
+    <xs:element name="EntityId4" type="xs:string"/>
+    <xs:element name="EntityId5" type="xs:string"/>
+    <xs:element name="Terms">
+      <xs:complexType>
+        <xs:sequence>
+          <xs:element ref="pc:TermInfo" minOccurs="0" maxOccurs="unbounded"/>
+        </xs:sequence>
+      </xs:complexType>
+    </xs:element>
+    <xs:element name="TermInfo">
+      <xs:complexType>
+        <xs:sequence>
+          <xs:element ref="pc:TermName" minOccurs="0"/>
+          <xs:element ref="pc:TermId" minOccurs="0"/>
+        </xs:sequence>
+      </xs:complexType>
+    </xs:element>
+    <xs:element name="TermName" type="xs:string"/>
+    <xs:element name="TermId" type="xs:string"/>
+  </xs:schema>
+</ct:contentTypeSchema>
+</file>
+
+<file path=customXml/item2.xml><?xml version="1.0" encoding="utf-8"?>
+<?mso-contentType ?>
+<FormTemplates xmlns="http://schemas.microsoft.com/sharepoint/v3/contenttype/forms">
+  <Display>DocumentLibraryForm</Display>
+  <Edit>DocumentLibraryForm</Edit>
+  <New>DocumentLibraryForm</New>
+</FormTemplates>
+</file>
+
+<file path=customXml/itemProps1.xml><?xml version="1.0" encoding="utf-8"?>
+<ds:datastoreItem xmlns:ds="http://schemas.openxmlformats.org/officeDocument/2006/customXml" ds:itemID="{20486665-A5B0-438C-93DB-CC09E005E6E4}"/>
+</file>
+
+<file path=customXml/itemProps2.xml><?xml version="1.0" encoding="utf-8"?>
+<ds:datastoreItem xmlns:ds="http://schemas.openxmlformats.org/officeDocument/2006/customXml" ds:itemID="{A3B4725B-8B21-4EEC-A83D-EE16EA53B2DD}"/>
 </file>
--- a/GFG JS Course Curriculam/Articles/008 Document Object MOdel.pptx
+++ b/GFG JS Course Curriculam/Articles/008 Document Object MOdel.pptx
@@ -2,29 +2,29 @@
 <file path=ppt/presentation.xml><?xml version="1.0" encoding="utf-8"?>
 <p:presentation xmlns:a="http://schemas.openxmlformats.org/drawingml/2006/main" xmlns:r="http://schemas.openxmlformats.org/officeDocument/2006/relationships" xmlns:p="http://schemas.openxmlformats.org/presentationml/2006/main" saveSubsetFonts="1">
   <p:sldMasterIdLst>
-    <p:sldMasterId id="2147483744" r:id="rId1"/>
+    <p:sldMasterId id="2147483744" r:id="rId3"/>
   </p:sldMasterIdLst>
   <p:sldIdLst>
-    <p:sldId id="256" r:id="rId2"/>
-    <p:sldId id="257" r:id="rId3"/>
-    <p:sldId id="258" r:id="rId4"/>
-    <p:sldId id="259" r:id="rId5"/>
-    <p:sldId id="260" r:id="rId6"/>
-    <p:sldId id="261" r:id="rId7"/>
-    <p:sldId id="262" r:id="rId8"/>
-    <p:sldId id="263" r:id="rId9"/>
-    <p:sldId id="264" r:id="rId10"/>
-    <p:sldId id="265" r:id="rId11"/>
-    <p:sldId id="266" r:id="rId12"/>
-    <p:sldId id="267" r:id="rId13"/>
-    <p:sldId id="268" r:id="rId14"/>
-    <p:sldId id="269" r:id="rId15"/>
-    <p:sldId id="270" r:id="rId16"/>
-    <p:sldId id="271" r:id="rId17"/>
-    <p:sldId id="272" r:id="rId18"/>
-    <p:sldId id="273" r:id="rId19"/>
-    <p:sldId id="274" r:id="rId20"/>
-    <p:sldId id="275" r:id="rId21"/>
+    <p:sldId id="256" r:id="rId4"/>
+    <p:sldId id="257" r:id="rId5"/>
+    <p:sldId id="258" r:id="rId6"/>
+    <p:sldId id="259" r:id="rId7"/>
+    <p:sldId id="260" r:id="rId8"/>
+    <p:sldId id="261" r:id="rId9"/>
+    <p:sldId id="262" r:id="rId10"/>
+    <p:sldId id="263" r:id="rId11"/>
+    <p:sldId id="264" r:id="rId12"/>
+    <p:sldId id="265" r:id="rId13"/>
+    <p:sldId id="266" r:id="rId14"/>
+    <p:sldId id="267" r:id="rId15"/>
+    <p:sldId id="268" r:id="rId16"/>
+    <p:sldId id="269" r:id="rId17"/>
+    <p:sldId id="270" r:id="rId18"/>
+    <p:sldId id="271" r:id="rId19"/>
+    <p:sldId id="272" r:id="rId20"/>
+    <p:sldId id="273" r:id="rId21"/>
+    <p:sldId id="274" r:id="rId22"/>
+    <p:sldId id="275" r:id="rId23"/>
   </p:sldIdLst>
   <p:sldSz cx="12192000" cy="6858000"/>
   <p:notesSz cx="6858000" cy="9144000"/>
@@ -123,7 +123,49 @@
       </a:defRPr>
     </a:lvl9pPr>
   </p:defaultTextStyle>
+  <p:extLst>
+    <p:ext uri="{EFAFB233-063F-42B5-8137-9DF3F51BA10A}">
+      <p15:sldGuideLst xmlns:p15="http://schemas.microsoft.com/office/powerpoint/2012/main"/>
+    </p:ext>
+  </p:extLst>
 </p:presentation>
+</file>
+
+<file path=ppt/changesInfos/changesInfo1.xml><?xml version="1.0" encoding="utf-8"?>
+<pc:chgInfo xmlns:a="http://schemas.openxmlformats.org/drawingml/2006/main" xmlns:r="http://schemas.openxmlformats.org/officeDocument/2006/relationships" xmlns:ac="http://schemas.microsoft.com/office/drawing/2013/main/command" xmlns:pc="http://schemas.microsoft.com/office/powerpoint/2013/main/command">
+  <pc:docChgLst>
+    <pc:chgData name="Jana, Pramod" userId="9d7ae763-7cdf-4ef2-bc00-3679debba132" providerId="ADAL" clId="{3B9C7478-ACDD-474D-A6F9-7D5284BDB2F6}"/>
+    <pc:docChg chg="custSel modSld">
+      <pc:chgData name="Jana, Pramod" userId="9d7ae763-7cdf-4ef2-bc00-3679debba132" providerId="ADAL" clId="{3B9C7478-ACDD-474D-A6F9-7D5284BDB2F6}" dt="2023-01-12T08:09:38.550" v="18" actId="27636"/>
+      <pc:docMkLst>
+        <pc:docMk/>
+      </pc:docMkLst>
+      <pc:sldChg chg="modSp mod">
+        <pc:chgData name="Jana, Pramod" userId="9d7ae763-7cdf-4ef2-bc00-3679debba132" providerId="ADAL" clId="{3B9C7478-ACDD-474D-A6F9-7D5284BDB2F6}" dt="2023-01-12T08:09:38.550" v="18" actId="27636"/>
+        <pc:sldMkLst>
+          <pc:docMk/>
+          <pc:sldMk cId="1224093290" sldId="259"/>
+        </pc:sldMkLst>
+        <pc:spChg chg="mod">
+          <ac:chgData name="Jana, Pramod" userId="9d7ae763-7cdf-4ef2-bc00-3679debba132" providerId="ADAL" clId="{3B9C7478-ACDD-474D-A6F9-7D5284BDB2F6}" dt="2023-01-12T08:09:36.170" v="16" actId="27636"/>
+          <ac:spMkLst>
+            <pc:docMk/>
+            <pc:sldMk cId="1224093290" sldId="259"/>
+            <ac:spMk id="2" creationId="{ACE88104-3728-5968-E18F-099944878A68}"/>
+          </ac:spMkLst>
+        </pc:spChg>
+        <pc:spChg chg="mod">
+          <ac:chgData name="Jana, Pramod" userId="9d7ae763-7cdf-4ef2-bc00-3679debba132" providerId="ADAL" clId="{3B9C7478-ACDD-474D-A6F9-7D5284BDB2F6}" dt="2023-01-12T08:09:38.550" v="18" actId="27636"/>
+          <ac:spMkLst>
+            <pc:docMk/>
+            <pc:sldMk cId="1224093290" sldId="259"/>
+            <ac:spMk id="3" creationId="{DCE7748B-7871-295E-CB58-7C87261EE039}"/>
+          </ac:spMkLst>
+        </pc:spChg>
+      </pc:sldChg>
+    </pc:docChg>
+  </pc:docChgLst>
+</pc:chgInfo>
 </file>
 
 <file path=ppt/slideLayouts/slideLayout1.xml><?xml version="1.0" encoding="utf-8"?>
@@ -322,7 +364,7 @@
           <a:p>
             <a:fld id="{5CE98252-2EB3-42C8-A6E0-181109C3CFD3}" type="datetimeFigureOut">
               <a:rPr lang="en-IN" smtClean="0"/>
-              <a:t>27-12-2022</a:t>
+              <a:t>12-01-2023</a:t>
             </a:fld>
             <a:endParaRPr lang="en-IN"/>
           </a:p>
@@ -543,7 +585,7 @@
           <a:p>
             <a:fld id="{5CE98252-2EB3-42C8-A6E0-181109C3CFD3}" type="datetimeFigureOut">
               <a:rPr lang="en-IN" smtClean="0"/>
-              <a:t>27-12-2022</a:t>
+              <a:t>12-01-2023</a:t>
             </a:fld>
             <a:endParaRPr lang="en-IN"/>
           </a:p>
@@ -723,7 +765,7 @@
           <a:p>
             <a:fld id="{5CE98252-2EB3-42C8-A6E0-181109C3CFD3}" type="datetimeFigureOut">
               <a:rPr lang="en-IN" smtClean="0"/>
-              <a:t>27-12-2022</a:t>
+              <a:t>12-01-2023</a:t>
             </a:fld>
             <a:endParaRPr lang="en-IN"/>
           </a:p>
@@ -893,7 +935,7 @@
           <a:p>
             <a:fld id="{5CE98252-2EB3-42C8-A6E0-181109C3CFD3}" type="datetimeFigureOut">
               <a:rPr lang="en-IN" smtClean="0"/>
-              <a:t>27-12-2022</a:t>
+              <a:t>12-01-2023</a:t>
             </a:fld>
             <a:endParaRPr lang="en-IN"/>
           </a:p>
@@ -1144,7 +1186,7 @@
           <a:p>
             <a:fld id="{5CE98252-2EB3-42C8-A6E0-181109C3CFD3}" type="datetimeFigureOut">
               <a:rPr lang="en-IN" smtClean="0"/>
-              <a:t>27-12-2022</a:t>
+              <a:t>12-01-2023</a:t>
             </a:fld>
             <a:endParaRPr lang="en-IN"/>
           </a:p>
@@ -1467,7 +1509,7 @@
           <a:p>
             <a:fld id="{5CE98252-2EB3-42C8-A6E0-181109C3CFD3}" type="datetimeFigureOut">
               <a:rPr lang="en-IN" smtClean="0"/>
-              <a:t>27-12-2022</a:t>
+              <a:t>12-01-2023</a:t>
             </a:fld>
             <a:endParaRPr lang="en-IN"/>
           </a:p>
@@ -1891,7 +1933,7 @@
           <a:p>
             <a:fld id="{5CE98252-2EB3-42C8-A6E0-181109C3CFD3}" type="datetimeFigureOut">
               <a:rPr lang="en-IN" smtClean="0"/>
-              <a:t>27-12-2022</a:t>
+              <a:t>12-01-2023</a:t>
             </a:fld>
             <a:endParaRPr lang="en-IN"/>
           </a:p>
@@ -2009,7 +2051,7 @@
           <a:p>
             <a:fld id="{5CE98252-2EB3-42C8-A6E0-181109C3CFD3}" type="datetimeFigureOut">
               <a:rPr lang="en-IN" smtClean="0"/>
-              <a:t>27-12-2022</a:t>
+              <a:t>12-01-2023</a:t>
             </a:fld>
             <a:endParaRPr lang="en-IN"/>
           </a:p>
@@ -2104,7 +2146,7 @@
           <a:p>
             <a:fld id="{5CE98252-2EB3-42C8-A6E0-181109C3CFD3}" type="datetimeFigureOut">
               <a:rPr lang="en-IN" smtClean="0"/>
-              <a:t>27-12-2022</a:t>
+              <a:t>12-01-2023</a:t>
             </a:fld>
             <a:endParaRPr lang="en-IN"/>
           </a:p>
@@ -2394,7 +2436,7 @@
           <a:p>
             <a:fld id="{5CE98252-2EB3-42C8-A6E0-181109C3CFD3}" type="datetimeFigureOut">
               <a:rPr lang="en-IN" smtClean="0"/>
-              <a:t>27-12-2022</a:t>
+              <a:t>12-01-2023</a:t>
             </a:fld>
             <a:endParaRPr lang="en-IN"/>
           </a:p>
@@ -2666,7 +2708,7 @@
           <a:p>
             <a:fld id="{5CE98252-2EB3-42C8-A6E0-181109C3CFD3}" type="datetimeFigureOut">
               <a:rPr lang="en-IN" smtClean="0"/>
-              <a:t>27-12-2022</a:t>
+              <a:t>12-01-2023</a:t>
             </a:fld>
             <a:endParaRPr lang="en-IN"/>
           </a:p>
@@ -2920,7 +2962,7 @@
           <a:p>
             <a:fld id="{5CE98252-2EB3-42C8-A6E0-181109C3CFD3}" type="datetimeFigureOut">
               <a:rPr lang="en-IN" smtClean="0"/>
-              <a:t>27-12-2022</a:t>
+              <a:t>12-01-2023</a:t>
             </a:fld>
             <a:endParaRPr lang="en-IN"/>
           </a:p>
@@ -5070,12 +5112,26 @@
             <p:ph type="title"/>
           </p:nvPr>
         </p:nvSpPr>
-        <p:spPr/>
-        <p:txBody>
-          <a:bodyPr/>
-          <a:lstStyle/>
-          <a:p>
-            <a:endParaRPr lang="en-IN"/>
+        <p:spPr>
+          <a:xfrm>
+            <a:off x="1143000" y="609600"/>
+            <a:ext cx="9875520" cy="666541"/>
+          </a:xfrm>
+        </p:spPr>
+        <p:txBody>
+          <a:bodyPr>
+            <a:normAutofit fontScale="90000"/>
+          </a:bodyPr>
+          <a:lstStyle/>
+          <a:p>
+            <a:r>
+              <a:rPr lang="en-US" b="0" i="0" dirty="0">
+                <a:effectLst/>
+                <a:latin typeface="sofia-pro"/>
+              </a:rPr>
+              <a:t>Searching the DOM</a:t>
+            </a:r>
+            <a:endParaRPr lang="en-IN" dirty="0"/>
           </a:p>
         </p:txBody>
       </p:sp>
@@ -5095,12 +5151,90 @@
             <p:ph idx="1"/>
           </p:nvPr>
         </p:nvSpPr>
-        <p:spPr/>
-        <p:txBody>
-          <a:bodyPr/>
-          <a:lstStyle/>
-          <a:p>
-            <a:endParaRPr lang="en-IN"/>
+        <p:spPr>
+          <a:xfrm>
+            <a:off x="1143000" y="1446963"/>
+            <a:ext cx="9872871" cy="4649037"/>
+          </a:xfrm>
+        </p:spPr>
+        <p:txBody>
+          <a:bodyPr>
+            <a:normAutofit lnSpcReduction="10000"/>
+          </a:bodyPr>
+          <a:lstStyle/>
+          <a:p>
+            <a:r>
+              <a:rPr lang="en-US" dirty="0"/>
+              <a:t>HTML DOM </a:t>
+            </a:r>
+            <a:r>
+              <a:rPr lang="en-US" dirty="0" err="1"/>
+              <a:t>getElementByID</a:t>
+            </a:r>
+            <a:r>
+              <a:rPr lang="en-US" dirty="0"/>
+              <a:t>() Method </a:t>
+            </a:r>
+          </a:p>
+          <a:p>
+            <a:r>
+              <a:rPr lang="en-US" dirty="0"/>
+              <a:t>The </a:t>
+            </a:r>
+            <a:r>
+              <a:rPr lang="en-US" dirty="0" err="1"/>
+              <a:t>getElementById</a:t>
+            </a:r>
+            <a:r>
+              <a:rPr lang="en-US" dirty="0"/>
+              <a:t>() method returns the elements that have given an ID which is passed to the function. This function is a widely used HTML DOM method in web designing to change the value of any particular element or get a particular element. If the passed ID to the function does not exist then it returns null. The element is required to have a unique id, in order to get access to that specific element quickly, &amp; also that particular id should only be used once in the entire document.</a:t>
+            </a:r>
+          </a:p>
+          <a:p>
+            <a:r>
+              <a:rPr lang="en-US" dirty="0"/>
+              <a:t>Syntax:</a:t>
+            </a:r>
+          </a:p>
+          <a:p>
+            <a:pPr lvl="1"/>
+            <a:r>
+              <a:rPr lang="en-US" dirty="0" err="1"/>
+              <a:t>document.getElementById</a:t>
+            </a:r>
+            <a:r>
+              <a:rPr lang="en-US" dirty="0"/>
+              <a:t>( </a:t>
+            </a:r>
+            <a:r>
+              <a:rPr lang="en-US" dirty="0" err="1"/>
+              <a:t>element_ID</a:t>
+            </a:r>
+            <a:r>
+              <a:rPr lang="en-US" dirty="0"/>
+              <a:t> )</a:t>
+            </a:r>
+          </a:p>
+          <a:p>
+            <a:r>
+              <a:rPr lang="en-US" dirty="0"/>
+              <a:t>Parameter: This function accepts single parameter </a:t>
+            </a:r>
+            <a:r>
+              <a:rPr lang="en-US" dirty="0" err="1"/>
+              <a:t>element_ID</a:t>
+            </a:r>
+            <a:r>
+              <a:rPr lang="en-US" dirty="0"/>
+              <a:t> which is used to hold the ID of the element.</a:t>
+            </a:r>
+          </a:p>
+          <a:p>
+            <a:r>
+              <a:rPr lang="en-US" dirty="0"/>
+              <a:t>Return Value: It returns the object of the given ID. If no element exists with the given ID then it returns null.</a:t>
+            </a:r>
+            <a:endParaRPr lang="en-IN" dirty="0"/>
           </a:p>
         </p:txBody>
       </p:sp>
@@ -5755,6 +5889,15 @@
 </file>
 
 <file path=customXml/item1.xml><?xml version="1.0" encoding="utf-8"?>
+<?mso-contentType ?>
+<FormTemplates xmlns="http://schemas.microsoft.com/sharepoint/v3/contenttype/forms">
+  <Display>DocumentLibraryForm</Display>
+  <Edit>DocumentLibraryForm</Edit>
+  <New>DocumentLibraryForm</New>
+</FormTemplates>
+</file>
+
+<file path=customXml/item2.xml><?xml version="1.0" encoding="utf-8"?>
 <ct:contentTypeSchema xmlns:ct="http://schemas.microsoft.com/office/2006/metadata/contentType" xmlns:ma="http://schemas.microsoft.com/office/2006/metadata/properties/metaAttributes" ct:_="" ma:_="" ma:contentTypeName="Document" ma:contentTypeID="0x01010025EC667E64F3664AA9FF84395B73BBB2" ma:contentTypeVersion="12" ma:contentTypeDescription="Create a new document." ma:contentTypeScope="" ma:versionID="6b12c4ceb98f90cef75c2b4a7241f9ea">
   <xsd:schema xmlns:xsd="http://www.w3.org/2001/XMLSchema" xmlns:xs="http://www.w3.org/2001/XMLSchema" xmlns:p="http://schemas.microsoft.com/office/2006/metadata/properties" xmlns:ns2="11dab2fc-a00f-488b-a519-3911044eea4e" xmlns:ns3="202a9836-ee93-41fb-ba3c-167105785a0d" targetNamespace="http://schemas.microsoft.com/office/2006/metadata/properties" ma:root="true" ma:fieldsID="c1df371a784d1a7c3bc1d50e69810467" ns2:_="" ns3:_="">
     <xsd:import namespace="11dab2fc-a00f-488b-a519-3911044eea4e"/>
@@ -5971,19 +6114,35 @@
 </ct:contentTypeSchema>
 </file>
 
-<file path=customXml/item2.xml><?xml version="1.0" encoding="utf-8"?>
-<?mso-contentType ?>
-<FormTemplates xmlns="http://schemas.microsoft.com/sharepoint/v3/contenttype/forms">
-  <Display>DocumentLibraryForm</Display>
-  <Edit>DocumentLibraryForm</Edit>
-  <New>DocumentLibraryForm</New>
-</FormTemplates>
-</file>
-
 <file path=customXml/itemProps1.xml><?xml version="1.0" encoding="utf-8"?>
-<ds:datastoreItem xmlns:ds="http://schemas.openxmlformats.org/officeDocument/2006/customXml" ds:itemID="{20486665-A5B0-438C-93DB-CC09E005E6E4}"/>
+<ds:datastoreItem xmlns:ds="http://schemas.openxmlformats.org/officeDocument/2006/customXml" ds:itemID="{A3B4725B-8B21-4EEC-A83D-EE16EA53B2DD}">
+  <ds:schemaRefs>
+    <ds:schemaRef ds:uri="http://schemas.microsoft.com/sharepoint/v3/contenttype/forms"/>
+  </ds:schemaRefs>
+</ds:datastoreItem>
 </file>
 
 <file path=customXml/itemProps2.xml><?xml version="1.0" encoding="utf-8"?>
-<ds:datastoreItem xmlns:ds="http://schemas.openxmlformats.org/officeDocument/2006/customXml" ds:itemID="{A3B4725B-8B21-4EEC-A83D-EE16EA53B2DD}"/>
+<ds:datastoreItem xmlns:ds="http://schemas.openxmlformats.org/officeDocument/2006/customXml" ds:itemID="{20486665-A5B0-438C-93DB-CC09E005E6E4}">
+  <ds:schemaRefs>
+    <ds:schemaRef ds:uri="http://schemas.microsoft.com/office/2006/metadata/contentType"/>
+    <ds:schemaRef ds:uri="http://schemas.microsoft.com/office/2006/metadata/properties/metaAttributes"/>
+    <ds:schemaRef ds:uri="http://www.w3.org/2001/XMLSchema"/>
+    <ds:schemaRef ds:uri="http://schemas.microsoft.com/office/2006/metadata/properties"/>
+    <ds:schemaRef ds:uri="11dab2fc-a00f-488b-a519-3911044eea4e"/>
+    <ds:schemaRef ds:uri="202a9836-ee93-41fb-ba3c-167105785a0d"/>
+    <ds:schemaRef ds:uri="http://schemas.microsoft.com/office/2006/documentManagement/types"/>
+    <ds:schemaRef ds:uri="http://schemas.microsoft.com/office/infopath/2007/PartnerControls"/>
+    <ds:schemaRef ds:uri="http://schemas.openxmlformats.org/package/2006/metadata/core-properties"/>
+    <ds:schemaRef ds:uri="http://purl.org/dc/elements/1.1/"/>
+    <ds:schemaRef ds:uri="http://purl.org/dc/terms/"/>
+    <ds:schemaRef ds:uri="http://schemas.microsoft.com/internal/obd"/>
+  </ds:schemaRefs>
+</ds:datastoreItem>
+</file>
+
+<file path=docMetadata/LabelInfo.xml><?xml version="1.0" encoding="utf-8"?>
+<clbl:labelList xmlns:clbl="http://schemas.microsoft.com/office/2020/mipLabelMetadata">
+  <clbl:label id="{0bfa236d-8472-42aa-9a40-ab46036c5596}" enabled="1" method="Privileged" siteId="{e0793d39-0939-496d-b129-198edd916feb}" removed="0"/>
+</clbl:labelList>
 </file>
--- a/GFG JS Course Curriculam/Articles/008 Document Object MOdel.pptx
+++ b/GFG JS Course Curriculam/Articles/008 Document Object MOdel.pptx
@@ -135,8 +135,8 @@
 <pc:chgInfo xmlns:a="http://schemas.openxmlformats.org/drawingml/2006/main" xmlns:r="http://schemas.openxmlformats.org/officeDocument/2006/relationships" xmlns:ac="http://schemas.microsoft.com/office/drawing/2013/main/command" xmlns:pc="http://schemas.microsoft.com/office/powerpoint/2013/main/command">
   <pc:docChgLst>
     <pc:chgData name="Jana, Pramod" userId="9d7ae763-7cdf-4ef2-bc00-3679debba132" providerId="ADAL" clId="{3B9C7478-ACDD-474D-A6F9-7D5284BDB2F6}"/>
-    <pc:docChg chg="custSel modSld">
-      <pc:chgData name="Jana, Pramod" userId="9d7ae763-7cdf-4ef2-bc00-3679debba132" providerId="ADAL" clId="{3B9C7478-ACDD-474D-A6F9-7D5284BDB2F6}" dt="2023-01-12T08:09:38.550" v="18" actId="27636"/>
+    <pc:docChg chg="undo custSel modSld">
+      <pc:chgData name="Jana, Pramod" userId="9d7ae763-7cdf-4ef2-bc00-3679debba132" providerId="ADAL" clId="{3B9C7478-ACDD-474D-A6F9-7D5284BDB2F6}" dt="2023-01-25T06:28:06.899" v="456" actId="20577"/>
       <pc:docMkLst>
         <pc:docMk/>
       </pc:docMkLst>
@@ -160,6 +160,328 @@
             <pc:docMk/>
             <pc:sldMk cId="1224093290" sldId="259"/>
             <ac:spMk id="3" creationId="{DCE7748B-7871-295E-CB58-7C87261EE039}"/>
+          </ac:spMkLst>
+        </pc:spChg>
+      </pc:sldChg>
+      <pc:sldChg chg="modSp mod">
+        <pc:chgData name="Jana, Pramod" userId="9d7ae763-7cdf-4ef2-bc00-3679debba132" providerId="ADAL" clId="{3B9C7478-ACDD-474D-A6F9-7D5284BDB2F6}" dt="2023-01-25T05:52:40.793" v="58" actId="27636"/>
+        <pc:sldMkLst>
+          <pc:docMk/>
+          <pc:sldMk cId="1080477251" sldId="260"/>
+        </pc:sldMkLst>
+        <pc:spChg chg="mod">
+          <ac:chgData name="Jana, Pramod" userId="9d7ae763-7cdf-4ef2-bc00-3679debba132" providerId="ADAL" clId="{3B9C7478-ACDD-474D-A6F9-7D5284BDB2F6}" dt="2023-01-25T05:51:47.211" v="29" actId="14100"/>
+          <ac:spMkLst>
+            <pc:docMk/>
+            <pc:sldMk cId="1080477251" sldId="260"/>
+            <ac:spMk id="2" creationId="{42ACB150-2DB0-C6B4-8DB6-A42FAB888462}"/>
+          </ac:spMkLst>
+        </pc:spChg>
+        <pc:spChg chg="mod">
+          <ac:chgData name="Jana, Pramod" userId="9d7ae763-7cdf-4ef2-bc00-3679debba132" providerId="ADAL" clId="{3B9C7478-ACDD-474D-A6F9-7D5284BDB2F6}" dt="2023-01-25T05:52:40.793" v="58" actId="27636"/>
+          <ac:spMkLst>
+            <pc:docMk/>
+            <pc:sldMk cId="1080477251" sldId="260"/>
+            <ac:spMk id="3" creationId="{1325A7E5-B0ED-ED54-E0AE-C036ABBAFDEC}"/>
+          </ac:spMkLst>
+        </pc:spChg>
+      </pc:sldChg>
+      <pc:sldChg chg="modSp mod">
+        <pc:chgData name="Jana, Pramod" userId="9d7ae763-7cdf-4ef2-bc00-3679debba132" providerId="ADAL" clId="{3B9C7478-ACDD-474D-A6F9-7D5284BDB2F6}" dt="2023-01-25T05:55:05.960" v="105" actId="27636"/>
+        <pc:sldMkLst>
+          <pc:docMk/>
+          <pc:sldMk cId="2363485339" sldId="261"/>
+        </pc:sldMkLst>
+        <pc:spChg chg="mod">
+          <ac:chgData name="Jana, Pramod" userId="9d7ae763-7cdf-4ef2-bc00-3679debba132" providerId="ADAL" clId="{3B9C7478-ACDD-474D-A6F9-7D5284BDB2F6}" dt="2023-01-25T05:54:06.980" v="67" actId="14100"/>
+          <ac:spMkLst>
+            <pc:docMk/>
+            <pc:sldMk cId="2363485339" sldId="261"/>
+            <ac:spMk id="2" creationId="{BD2E9A2A-CDE0-1FED-7643-A05F634D860C}"/>
+          </ac:spMkLst>
+        </pc:spChg>
+        <pc:spChg chg="mod">
+          <ac:chgData name="Jana, Pramod" userId="9d7ae763-7cdf-4ef2-bc00-3679debba132" providerId="ADAL" clId="{3B9C7478-ACDD-474D-A6F9-7D5284BDB2F6}" dt="2023-01-25T05:55:05.960" v="105" actId="27636"/>
+          <ac:spMkLst>
+            <pc:docMk/>
+            <pc:sldMk cId="2363485339" sldId="261"/>
+            <ac:spMk id="3" creationId="{1114BBFC-3D11-F29C-CAEB-ABC992294751}"/>
+          </ac:spMkLst>
+        </pc:spChg>
+      </pc:sldChg>
+      <pc:sldChg chg="modSp mod">
+        <pc:chgData name="Jana, Pramod" userId="9d7ae763-7cdf-4ef2-bc00-3679debba132" providerId="ADAL" clId="{3B9C7478-ACDD-474D-A6F9-7D5284BDB2F6}" dt="2023-01-25T05:58:02.804" v="122" actId="15"/>
+        <pc:sldMkLst>
+          <pc:docMk/>
+          <pc:sldMk cId="2071847513" sldId="262"/>
+        </pc:sldMkLst>
+        <pc:spChg chg="mod">
+          <ac:chgData name="Jana, Pramod" userId="9d7ae763-7cdf-4ef2-bc00-3679debba132" providerId="ADAL" clId="{3B9C7478-ACDD-474D-A6F9-7D5284BDB2F6}" dt="2023-01-25T05:57:41.732" v="106"/>
+          <ac:spMkLst>
+            <pc:docMk/>
+            <pc:sldMk cId="2071847513" sldId="262"/>
+            <ac:spMk id="2" creationId="{4E1DE7D5-D921-9D22-E957-E6E7C1FD9C44}"/>
+          </ac:spMkLst>
+        </pc:spChg>
+        <pc:spChg chg="mod">
+          <ac:chgData name="Jana, Pramod" userId="9d7ae763-7cdf-4ef2-bc00-3679debba132" providerId="ADAL" clId="{3B9C7478-ACDD-474D-A6F9-7D5284BDB2F6}" dt="2023-01-25T05:58:02.804" v="122" actId="15"/>
+          <ac:spMkLst>
+            <pc:docMk/>
+            <pc:sldMk cId="2071847513" sldId="262"/>
+            <ac:spMk id="3" creationId="{7F1DAE51-4B24-763A-A04B-C3C15322C1A4}"/>
+          </ac:spMkLst>
+        </pc:spChg>
+      </pc:sldChg>
+      <pc:sldChg chg="modSp mod">
+        <pc:chgData name="Jana, Pramod" userId="9d7ae763-7cdf-4ef2-bc00-3679debba132" providerId="ADAL" clId="{3B9C7478-ACDD-474D-A6F9-7D5284BDB2F6}" dt="2023-01-25T05:59:27.565" v="173" actId="20577"/>
+        <pc:sldMkLst>
+          <pc:docMk/>
+          <pc:sldMk cId="1012035624" sldId="263"/>
+        </pc:sldMkLst>
+        <pc:spChg chg="mod">
+          <ac:chgData name="Jana, Pramod" userId="9d7ae763-7cdf-4ef2-bc00-3679debba132" providerId="ADAL" clId="{3B9C7478-ACDD-474D-A6F9-7D5284BDB2F6}" dt="2023-01-25T05:58:59.195" v="129" actId="27636"/>
+          <ac:spMkLst>
+            <pc:docMk/>
+            <pc:sldMk cId="1012035624" sldId="263"/>
+            <ac:spMk id="2" creationId="{9840E3E1-729B-63F4-7713-D1C0EA8D2DBC}"/>
+          </ac:spMkLst>
+        </pc:spChg>
+        <pc:spChg chg="mod">
+          <ac:chgData name="Jana, Pramod" userId="9d7ae763-7cdf-4ef2-bc00-3679debba132" providerId="ADAL" clId="{3B9C7478-ACDD-474D-A6F9-7D5284BDB2F6}" dt="2023-01-25T05:59:27.565" v="173" actId="20577"/>
+          <ac:spMkLst>
+            <pc:docMk/>
+            <pc:sldMk cId="1012035624" sldId="263"/>
+            <ac:spMk id="3" creationId="{D9AF95A4-62A2-51E1-B435-7276E972E1C7}"/>
+          </ac:spMkLst>
+        </pc:spChg>
+      </pc:sldChg>
+      <pc:sldChg chg="modSp mod">
+        <pc:chgData name="Jana, Pramod" userId="9d7ae763-7cdf-4ef2-bc00-3679debba132" providerId="ADAL" clId="{3B9C7478-ACDD-474D-A6F9-7D5284BDB2F6}" dt="2023-01-25T06:03:50.794" v="197" actId="15"/>
+        <pc:sldMkLst>
+          <pc:docMk/>
+          <pc:sldMk cId="1591518719" sldId="264"/>
+        </pc:sldMkLst>
+        <pc:spChg chg="mod">
+          <ac:chgData name="Jana, Pramod" userId="9d7ae763-7cdf-4ef2-bc00-3679debba132" providerId="ADAL" clId="{3B9C7478-ACDD-474D-A6F9-7D5284BDB2F6}" dt="2023-01-25T06:01:47.384" v="174"/>
+          <ac:spMkLst>
+            <pc:docMk/>
+            <pc:sldMk cId="1591518719" sldId="264"/>
+            <ac:spMk id="2" creationId="{9B5B63F0-EC72-B4B3-BFF9-385CC7FECD41}"/>
+          </ac:spMkLst>
+        </pc:spChg>
+        <pc:spChg chg="mod">
+          <ac:chgData name="Jana, Pramod" userId="9d7ae763-7cdf-4ef2-bc00-3679debba132" providerId="ADAL" clId="{3B9C7478-ACDD-474D-A6F9-7D5284BDB2F6}" dt="2023-01-25T06:03:50.794" v="197" actId="15"/>
+          <ac:spMkLst>
+            <pc:docMk/>
+            <pc:sldMk cId="1591518719" sldId="264"/>
+            <ac:spMk id="3" creationId="{5AD0C153-AAE3-1545-089A-581EC9A34E7B}"/>
+          </ac:spMkLst>
+        </pc:spChg>
+      </pc:sldChg>
+      <pc:sldChg chg="modSp mod">
+        <pc:chgData name="Jana, Pramod" userId="9d7ae763-7cdf-4ef2-bc00-3679debba132" providerId="ADAL" clId="{3B9C7478-ACDD-474D-A6F9-7D5284BDB2F6}" dt="2023-01-25T06:05:22.902" v="233" actId="27636"/>
+        <pc:sldMkLst>
+          <pc:docMk/>
+          <pc:sldMk cId="248281836" sldId="265"/>
+        </pc:sldMkLst>
+        <pc:spChg chg="mod">
+          <ac:chgData name="Jana, Pramod" userId="9d7ae763-7cdf-4ef2-bc00-3679debba132" providerId="ADAL" clId="{3B9C7478-ACDD-474D-A6F9-7D5284BDB2F6}" dt="2023-01-25T06:04:42.532" v="209" actId="14100"/>
+          <ac:spMkLst>
+            <pc:docMk/>
+            <pc:sldMk cId="248281836" sldId="265"/>
+            <ac:spMk id="2" creationId="{5F15699E-2DC8-B56E-26B0-1B3A61337966}"/>
+          </ac:spMkLst>
+        </pc:spChg>
+        <pc:spChg chg="mod">
+          <ac:chgData name="Jana, Pramod" userId="9d7ae763-7cdf-4ef2-bc00-3679debba132" providerId="ADAL" clId="{3B9C7478-ACDD-474D-A6F9-7D5284BDB2F6}" dt="2023-01-25T06:05:22.902" v="233" actId="27636"/>
+          <ac:spMkLst>
+            <pc:docMk/>
+            <pc:sldMk cId="248281836" sldId="265"/>
+            <ac:spMk id="3" creationId="{ED0EA1B0-0F19-A6F4-2220-86741B9FB147}"/>
+          </ac:spMkLst>
+        </pc:spChg>
+      </pc:sldChg>
+      <pc:sldChg chg="modSp mod">
+        <pc:chgData name="Jana, Pramod" userId="9d7ae763-7cdf-4ef2-bc00-3679debba132" providerId="ADAL" clId="{3B9C7478-ACDD-474D-A6F9-7D5284BDB2F6}" dt="2023-01-25T06:06:43.045" v="279" actId="20577"/>
+        <pc:sldMkLst>
+          <pc:docMk/>
+          <pc:sldMk cId="3185967813" sldId="266"/>
+        </pc:sldMkLst>
+        <pc:spChg chg="mod">
+          <ac:chgData name="Jana, Pramod" userId="9d7ae763-7cdf-4ef2-bc00-3679debba132" providerId="ADAL" clId="{3B9C7478-ACDD-474D-A6F9-7D5284BDB2F6}" dt="2023-01-25T06:04:56.631" v="218" actId="27636"/>
+          <ac:spMkLst>
+            <pc:docMk/>
+            <pc:sldMk cId="3185967813" sldId="266"/>
+            <ac:spMk id="2" creationId="{D6A3346F-49E5-7FAD-E01A-B9ACBB360C4E}"/>
+          </ac:spMkLst>
+        </pc:spChg>
+        <pc:spChg chg="mod">
+          <ac:chgData name="Jana, Pramod" userId="9d7ae763-7cdf-4ef2-bc00-3679debba132" providerId="ADAL" clId="{3B9C7478-ACDD-474D-A6F9-7D5284BDB2F6}" dt="2023-01-25T06:06:43.045" v="279" actId="20577"/>
+          <ac:spMkLst>
+            <pc:docMk/>
+            <pc:sldMk cId="3185967813" sldId="266"/>
+            <ac:spMk id="3" creationId="{46D255D8-D0D5-9DB3-37ED-562692E1D9A2}"/>
+          </ac:spMkLst>
+        </pc:spChg>
+      </pc:sldChg>
+      <pc:sldChg chg="modSp mod">
+        <pc:chgData name="Jana, Pramod" userId="9d7ae763-7cdf-4ef2-bc00-3679debba132" providerId="ADAL" clId="{3B9C7478-ACDD-474D-A6F9-7D5284BDB2F6}" dt="2023-01-25T06:08:57.805" v="300" actId="15"/>
+        <pc:sldMkLst>
+          <pc:docMk/>
+          <pc:sldMk cId="2720264763" sldId="267"/>
+        </pc:sldMkLst>
+        <pc:spChg chg="mod">
+          <ac:chgData name="Jana, Pramod" userId="9d7ae763-7cdf-4ef2-bc00-3679debba132" providerId="ADAL" clId="{3B9C7478-ACDD-474D-A6F9-7D5284BDB2F6}" dt="2023-01-25T06:08:18.664" v="283" actId="27636"/>
+          <ac:spMkLst>
+            <pc:docMk/>
+            <pc:sldMk cId="2720264763" sldId="267"/>
+            <ac:spMk id="2" creationId="{CCE94942-1862-6A3A-870A-DDE12A2B54B8}"/>
+          </ac:spMkLst>
+        </pc:spChg>
+        <pc:spChg chg="mod">
+          <ac:chgData name="Jana, Pramod" userId="9d7ae763-7cdf-4ef2-bc00-3679debba132" providerId="ADAL" clId="{3B9C7478-ACDD-474D-A6F9-7D5284BDB2F6}" dt="2023-01-25T06:08:57.805" v="300" actId="15"/>
+          <ac:spMkLst>
+            <pc:docMk/>
+            <pc:sldMk cId="2720264763" sldId="267"/>
+            <ac:spMk id="3" creationId="{95B71620-B45D-92E0-5391-096ECF30F53B}"/>
+          </ac:spMkLst>
+        </pc:spChg>
+      </pc:sldChg>
+      <pc:sldChg chg="modSp mod">
+        <pc:chgData name="Jana, Pramod" userId="9d7ae763-7cdf-4ef2-bc00-3679debba132" providerId="ADAL" clId="{3B9C7478-ACDD-474D-A6F9-7D5284BDB2F6}" dt="2023-01-25T06:10:09.639" v="352" actId="20577"/>
+        <pc:sldMkLst>
+          <pc:docMk/>
+          <pc:sldMk cId="18236295" sldId="268"/>
+        </pc:sldMkLst>
+        <pc:spChg chg="mod">
+          <ac:chgData name="Jana, Pramod" userId="9d7ae763-7cdf-4ef2-bc00-3679debba132" providerId="ADAL" clId="{3B9C7478-ACDD-474D-A6F9-7D5284BDB2F6}" dt="2023-01-25T06:09:22.614" v="307" actId="14100"/>
+          <ac:spMkLst>
+            <pc:docMk/>
+            <pc:sldMk cId="18236295" sldId="268"/>
+            <ac:spMk id="2" creationId="{5B6994F7-09C9-ACE7-EE82-B5D7197C1547}"/>
+          </ac:spMkLst>
+        </pc:spChg>
+        <pc:spChg chg="mod">
+          <ac:chgData name="Jana, Pramod" userId="9d7ae763-7cdf-4ef2-bc00-3679debba132" providerId="ADAL" clId="{3B9C7478-ACDD-474D-A6F9-7D5284BDB2F6}" dt="2023-01-25T06:10:09.639" v="352" actId="20577"/>
+          <ac:spMkLst>
+            <pc:docMk/>
+            <pc:sldMk cId="18236295" sldId="268"/>
+            <ac:spMk id="3" creationId="{C8654994-FE0B-6F7B-B2D8-4E2483B162F0}"/>
+          </ac:spMkLst>
+        </pc:spChg>
+      </pc:sldChg>
+      <pc:sldChg chg="modSp mod">
+        <pc:chgData name="Jana, Pramod" userId="9d7ae763-7cdf-4ef2-bc00-3679debba132" providerId="ADAL" clId="{3B9C7478-ACDD-474D-A6F9-7D5284BDB2F6}" dt="2023-01-25T06:18:41.149" v="376" actId="27636"/>
+        <pc:sldMkLst>
+          <pc:docMk/>
+          <pc:sldMk cId="4218461106" sldId="269"/>
+        </pc:sldMkLst>
+        <pc:spChg chg="mod">
+          <ac:chgData name="Jana, Pramod" userId="9d7ae763-7cdf-4ef2-bc00-3679debba132" providerId="ADAL" clId="{3B9C7478-ACDD-474D-A6F9-7D5284BDB2F6}" dt="2023-01-25T06:16:41.431" v="356" actId="27636"/>
+          <ac:spMkLst>
+            <pc:docMk/>
+            <pc:sldMk cId="4218461106" sldId="269"/>
+            <ac:spMk id="2" creationId="{1595456C-92C8-A492-5F2D-D14B1BD637B4}"/>
+          </ac:spMkLst>
+        </pc:spChg>
+        <pc:spChg chg="mod">
+          <ac:chgData name="Jana, Pramod" userId="9d7ae763-7cdf-4ef2-bc00-3679debba132" providerId="ADAL" clId="{3B9C7478-ACDD-474D-A6F9-7D5284BDB2F6}" dt="2023-01-25T06:18:41.149" v="376" actId="27636"/>
+          <ac:spMkLst>
+            <pc:docMk/>
+            <pc:sldMk cId="4218461106" sldId="269"/>
+            <ac:spMk id="3" creationId="{5F8F0093-61F1-567F-8676-A89E25B98CA3}"/>
+          </ac:spMkLst>
+        </pc:spChg>
+      </pc:sldChg>
+      <pc:sldChg chg="delSp modSp mod">
+        <pc:chgData name="Jana, Pramod" userId="9d7ae763-7cdf-4ef2-bc00-3679debba132" providerId="ADAL" clId="{3B9C7478-ACDD-474D-A6F9-7D5284BDB2F6}" dt="2023-01-25T06:20:36.083" v="402" actId="27636"/>
+        <pc:sldMkLst>
+          <pc:docMk/>
+          <pc:sldMk cId="3111090779" sldId="270"/>
+        </pc:sldMkLst>
+        <pc:spChg chg="del">
+          <ac:chgData name="Jana, Pramod" userId="9d7ae763-7cdf-4ef2-bc00-3679debba132" providerId="ADAL" clId="{3B9C7478-ACDD-474D-A6F9-7D5284BDB2F6}" dt="2023-01-25T06:18:51.579" v="377" actId="478"/>
+          <ac:spMkLst>
+            <pc:docMk/>
+            <pc:sldMk cId="3111090779" sldId="270"/>
+            <ac:spMk id="2" creationId="{3F594028-9AB9-EC36-76BF-F07B9419054B}"/>
+          </ac:spMkLst>
+        </pc:spChg>
+        <pc:spChg chg="mod">
+          <ac:chgData name="Jana, Pramod" userId="9d7ae763-7cdf-4ef2-bc00-3679debba132" providerId="ADAL" clId="{3B9C7478-ACDD-474D-A6F9-7D5284BDB2F6}" dt="2023-01-25T06:20:36.083" v="402" actId="27636"/>
+          <ac:spMkLst>
+            <pc:docMk/>
+            <pc:sldMk cId="3111090779" sldId="270"/>
+            <ac:spMk id="3" creationId="{37E5155C-ADB3-1FB5-4565-6FD3FC79C784}"/>
+          </ac:spMkLst>
+        </pc:spChg>
+      </pc:sldChg>
+      <pc:sldChg chg="delSp modSp mod">
+        <pc:chgData name="Jana, Pramod" userId="9d7ae763-7cdf-4ef2-bc00-3679debba132" providerId="ADAL" clId="{3B9C7478-ACDD-474D-A6F9-7D5284BDB2F6}" dt="2023-01-25T06:22:37.086" v="435" actId="27636"/>
+        <pc:sldMkLst>
+          <pc:docMk/>
+          <pc:sldMk cId="2618129555" sldId="271"/>
+        </pc:sldMkLst>
+        <pc:spChg chg="del">
+          <ac:chgData name="Jana, Pramod" userId="9d7ae763-7cdf-4ef2-bc00-3679debba132" providerId="ADAL" clId="{3B9C7478-ACDD-474D-A6F9-7D5284BDB2F6}" dt="2023-01-25T06:21:45.150" v="403" actId="478"/>
+          <ac:spMkLst>
+            <pc:docMk/>
+            <pc:sldMk cId="2618129555" sldId="271"/>
+            <ac:spMk id="2" creationId="{4AF87F7C-B7D1-B971-4716-F196FF440078}"/>
+          </ac:spMkLst>
+        </pc:spChg>
+        <pc:spChg chg="mod">
+          <ac:chgData name="Jana, Pramod" userId="9d7ae763-7cdf-4ef2-bc00-3679debba132" providerId="ADAL" clId="{3B9C7478-ACDD-474D-A6F9-7D5284BDB2F6}" dt="2023-01-25T06:22:37.086" v="435" actId="27636"/>
+          <ac:spMkLst>
+            <pc:docMk/>
+            <pc:sldMk cId="2618129555" sldId="271"/>
+            <ac:spMk id="3" creationId="{7ECEC2E8-7A16-4C93-63DF-9C7A4663C118}"/>
+          </ac:spMkLst>
+        </pc:spChg>
+      </pc:sldChg>
+      <pc:sldChg chg="delSp modSp mod">
+        <pc:chgData name="Jana, Pramod" userId="9d7ae763-7cdf-4ef2-bc00-3679debba132" providerId="ADAL" clId="{3B9C7478-ACDD-474D-A6F9-7D5284BDB2F6}" dt="2023-01-25T06:23:45.471" v="452" actId="27636"/>
+        <pc:sldMkLst>
+          <pc:docMk/>
+          <pc:sldMk cId="1692593795" sldId="272"/>
+        </pc:sldMkLst>
+        <pc:spChg chg="del">
+          <ac:chgData name="Jana, Pramod" userId="9d7ae763-7cdf-4ef2-bc00-3679debba132" providerId="ADAL" clId="{3B9C7478-ACDD-474D-A6F9-7D5284BDB2F6}" dt="2023-01-25T06:23:13.239" v="438" actId="478"/>
+          <ac:spMkLst>
+            <pc:docMk/>
+            <pc:sldMk cId="1692593795" sldId="272"/>
+            <ac:spMk id="2" creationId="{85F684CC-4A6D-703E-FF68-063796870AA2}"/>
+          </ac:spMkLst>
+        </pc:spChg>
+        <pc:spChg chg="mod">
+          <ac:chgData name="Jana, Pramod" userId="9d7ae763-7cdf-4ef2-bc00-3679debba132" providerId="ADAL" clId="{3B9C7478-ACDD-474D-A6F9-7D5284BDB2F6}" dt="2023-01-25T06:23:45.471" v="452" actId="27636"/>
+          <ac:spMkLst>
+            <pc:docMk/>
+            <pc:sldMk cId="1692593795" sldId="272"/>
+            <ac:spMk id="3" creationId="{057F06F2-2E45-05B2-ACBA-EF78DDBD2158}"/>
+          </ac:spMkLst>
+        </pc:spChg>
+      </pc:sldChg>
+      <pc:sldChg chg="modSp mod">
+        <pc:chgData name="Jana, Pramod" userId="9d7ae763-7cdf-4ef2-bc00-3679debba132" providerId="ADAL" clId="{3B9C7478-ACDD-474D-A6F9-7D5284BDB2F6}" dt="2023-01-25T06:28:06.899" v="456" actId="20577"/>
+        <pc:sldMkLst>
+          <pc:docMk/>
+          <pc:sldMk cId="357241150" sldId="273"/>
+        </pc:sldMkLst>
+        <pc:spChg chg="mod">
+          <ac:chgData name="Jana, Pramod" userId="9d7ae763-7cdf-4ef2-bc00-3679debba132" providerId="ADAL" clId="{3B9C7478-ACDD-474D-A6F9-7D5284BDB2F6}" dt="2023-01-25T06:28:06.899" v="456" actId="20577"/>
+          <ac:spMkLst>
+            <pc:docMk/>
+            <pc:sldMk cId="357241150" sldId="273"/>
+            <ac:spMk id="2" creationId="{D9DAE022-9853-5C5A-EE8B-5D3FDD93E1BB}"/>
+          </ac:spMkLst>
+        </pc:spChg>
+        <pc:spChg chg="mod">
+          <ac:chgData name="Jana, Pramod" userId="9d7ae763-7cdf-4ef2-bc00-3679debba132" providerId="ADAL" clId="{3B9C7478-ACDD-474D-A6F9-7D5284BDB2F6}" dt="2023-01-25T06:28:04.499" v="454" actId="21"/>
+          <ac:spMkLst>
+            <pc:docMk/>
+            <pc:sldMk cId="357241150" sldId="273"/>
+            <ac:spMk id="3" creationId="{A7F61976-6914-277F-8545-578DB06E0751}"/>
           </ac:spMkLst>
         </pc:spChg>
       </pc:sldChg>
@@ -364,7 +686,7 @@
           <a:p>
             <a:fld id="{5CE98252-2EB3-42C8-A6E0-181109C3CFD3}" type="datetimeFigureOut">
               <a:rPr lang="en-IN" smtClean="0"/>
-              <a:t>12-01-2023</a:t>
+              <a:t>25-01-2023</a:t>
             </a:fld>
             <a:endParaRPr lang="en-IN"/>
           </a:p>
@@ -585,7 +907,7 @@
           <a:p>
             <a:fld id="{5CE98252-2EB3-42C8-A6E0-181109C3CFD3}" type="datetimeFigureOut">
               <a:rPr lang="en-IN" smtClean="0"/>
-              <a:t>12-01-2023</a:t>
+              <a:t>25-01-2023</a:t>
             </a:fld>
             <a:endParaRPr lang="en-IN"/>
           </a:p>
@@ -765,7 +1087,7 @@
           <a:p>
             <a:fld id="{5CE98252-2EB3-42C8-A6E0-181109C3CFD3}" type="datetimeFigureOut">
               <a:rPr lang="en-IN" smtClean="0"/>
-              <a:t>12-01-2023</a:t>
+              <a:t>25-01-2023</a:t>
             </a:fld>
             <a:endParaRPr lang="en-IN"/>
           </a:p>
@@ -935,7 +1257,7 @@
           <a:p>
             <a:fld id="{5CE98252-2EB3-42C8-A6E0-181109C3CFD3}" type="datetimeFigureOut">
               <a:rPr lang="en-IN" smtClean="0"/>
-              <a:t>12-01-2023</a:t>
+              <a:t>25-01-2023</a:t>
             </a:fld>
             <a:endParaRPr lang="en-IN"/>
           </a:p>
@@ -1186,7 +1508,7 @@
           <a:p>
             <a:fld id="{5CE98252-2EB3-42C8-A6E0-181109C3CFD3}" type="datetimeFigureOut">
               <a:rPr lang="en-IN" smtClean="0"/>
-              <a:t>12-01-2023</a:t>
+              <a:t>25-01-2023</a:t>
             </a:fld>
             <a:endParaRPr lang="en-IN"/>
           </a:p>
@@ -1509,7 +1831,7 @@
           <a:p>
             <a:fld id="{5CE98252-2EB3-42C8-A6E0-181109C3CFD3}" type="datetimeFigureOut">
               <a:rPr lang="en-IN" smtClean="0"/>
-              <a:t>12-01-2023</a:t>
+              <a:t>25-01-2023</a:t>
             </a:fld>
             <a:endParaRPr lang="en-IN"/>
           </a:p>
@@ -1933,7 +2255,7 @@
           <a:p>
             <a:fld id="{5CE98252-2EB3-42C8-A6E0-181109C3CFD3}" type="datetimeFigureOut">
               <a:rPr lang="en-IN" smtClean="0"/>
-              <a:t>12-01-2023</a:t>
+              <a:t>25-01-2023</a:t>
             </a:fld>
             <a:endParaRPr lang="en-IN"/>
           </a:p>
@@ -2051,7 +2373,7 @@
           <a:p>
             <a:fld id="{5CE98252-2EB3-42C8-A6E0-181109C3CFD3}" type="datetimeFigureOut">
               <a:rPr lang="en-IN" smtClean="0"/>
-              <a:t>12-01-2023</a:t>
+              <a:t>25-01-2023</a:t>
             </a:fld>
             <a:endParaRPr lang="en-IN"/>
           </a:p>
@@ -2146,7 +2468,7 @@
           <a:p>
             <a:fld id="{5CE98252-2EB3-42C8-A6E0-181109C3CFD3}" type="datetimeFigureOut">
               <a:rPr lang="en-IN" smtClean="0"/>
-              <a:t>12-01-2023</a:t>
+              <a:t>25-01-2023</a:t>
             </a:fld>
             <a:endParaRPr lang="en-IN"/>
           </a:p>
@@ -2436,7 +2758,7 @@
           <a:p>
             <a:fld id="{5CE98252-2EB3-42C8-A6E0-181109C3CFD3}" type="datetimeFigureOut">
               <a:rPr lang="en-IN" smtClean="0"/>
-              <a:t>12-01-2023</a:t>
+              <a:t>25-01-2023</a:t>
             </a:fld>
             <a:endParaRPr lang="en-IN"/>
           </a:p>
@@ -2708,7 +3030,7 @@
           <a:p>
             <a:fld id="{5CE98252-2EB3-42C8-A6E0-181109C3CFD3}" type="datetimeFigureOut">
               <a:rPr lang="en-IN" smtClean="0"/>
-              <a:t>12-01-2023</a:t>
+              <a:t>25-01-2023</a:t>
             </a:fld>
             <a:endParaRPr lang="en-IN"/>
           </a:p>
@@ -2962,7 +3284,7 @@
           <a:p>
             <a:fld id="{5CE98252-2EB3-42C8-A6E0-181109C3CFD3}" type="datetimeFigureOut">
               <a:rPr lang="en-IN" smtClean="0"/>
-              <a:t>12-01-2023</a:t>
+              <a:t>25-01-2023</a:t>
             </a:fld>
             <a:endParaRPr lang="en-IN"/>
           </a:p>
@@ -3522,12 +3844,31 @@
             <p:ph type="title"/>
           </p:nvPr>
         </p:nvSpPr>
-        <p:spPr/>
-        <p:txBody>
-          <a:bodyPr/>
+        <p:spPr>
+          <a:xfrm>
+            <a:off x="1143000" y="609600"/>
+            <a:ext cx="9875520" cy="777073"/>
+          </a:xfrm>
+        </p:spPr>
+        <p:txBody>
+          <a:bodyPr>
+            <a:noAutofit/>
+          </a:bodyPr>
           <a:lstStyle/>
           <a:p>
-            <a:endParaRPr lang="en-IN"/>
+            <a:r>
+              <a:rPr lang="en-US" sz="2800" dirty="0"/>
+              <a:t>JavaScript Code to show the working of </a:t>
+            </a:r>
+            <a:r>
+              <a:rPr lang="en-US" sz="2800" dirty="0" err="1"/>
+              <a:t>addEventListener</a:t>
+            </a:r>
+            <a:r>
+              <a:rPr lang="en-US" sz="2800" dirty="0"/>
+              <a:t>() method : code #1:</a:t>
+            </a:r>
+            <a:endParaRPr lang="en-IN" sz="2800" dirty="0"/>
           </a:p>
         </p:txBody>
       </p:sp>
@@ -3547,12 +3888,164 @@
             <p:ph idx="1"/>
           </p:nvPr>
         </p:nvSpPr>
-        <p:spPr/>
-        <p:txBody>
-          <a:bodyPr/>
+        <p:spPr>
+          <a:xfrm>
+            <a:off x="1143000" y="1627833"/>
+            <a:ext cx="9872871" cy="4468167"/>
+          </a:xfrm>
+        </p:spPr>
+        <p:txBody>
+          <a:bodyPr>
+            <a:normAutofit fontScale="77500" lnSpcReduction="20000"/>
+          </a:bodyPr>
           <a:lstStyle/>
           <a:p>
-            <a:endParaRPr lang="en-IN"/>
+            <a:pPr marL="45720" indent="0">
+              <a:buNone/>
+            </a:pPr>
+            <a:r>
+              <a:rPr lang="en-IN" dirty="0"/>
+              <a:t>&lt;!DOCTYPE html&gt;</a:t>
+            </a:r>
+          </a:p>
+          <a:p>
+            <a:pPr marL="45720" indent="0">
+              <a:buNone/>
+            </a:pPr>
+            <a:r>
+              <a:rPr lang="en-IN" dirty="0"/>
+              <a:t>&lt;html&gt;</a:t>
+            </a:r>
+          </a:p>
+          <a:p>
+            <a:pPr marL="45720" indent="0">
+              <a:buNone/>
+            </a:pPr>
+            <a:r>
+              <a:rPr lang="en-IN" dirty="0"/>
+              <a:t>&lt;body&gt;</a:t>
+            </a:r>
+          </a:p>
+          <a:p>
+            <a:pPr marL="45720" indent="0">
+              <a:buNone/>
+            </a:pPr>
+            <a:r>
+              <a:rPr lang="en-IN" dirty="0"/>
+              <a:t>    &lt;button id="try"&gt;Click here&lt;/button&gt;</a:t>
+            </a:r>
+          </a:p>
+          <a:p>
+            <a:pPr marL="45720" indent="0">
+              <a:buNone/>
+            </a:pPr>
+            <a:r>
+              <a:rPr lang="en-IN" dirty="0"/>
+              <a:t>    &lt;h1 id="text"&gt;&lt;/h1&gt;</a:t>
+            </a:r>
+          </a:p>
+          <a:p>
+            <a:pPr marL="45720" indent="0">
+              <a:buNone/>
+            </a:pPr>
+            <a:r>
+              <a:rPr lang="en-IN" dirty="0"/>
+              <a:t>    &lt;script&gt;</a:t>
+            </a:r>
+          </a:p>
+          <a:p>
+            <a:pPr marL="45720" indent="0">
+              <a:buNone/>
+            </a:pPr>
+            <a:r>
+              <a:rPr lang="en-IN" dirty="0"/>
+              <a:t>    </a:t>
+            </a:r>
+            <a:r>
+              <a:rPr lang="en-IN" dirty="0" err="1"/>
+              <a:t>document.getElementById</a:t>
+            </a:r>
+            <a:r>
+              <a:rPr lang="en-IN" dirty="0"/>
+              <a:t>("try").</a:t>
+            </a:r>
+            <a:r>
+              <a:rPr lang="en-IN" dirty="0" err="1"/>
+              <a:t>addEventListener</a:t>
+            </a:r>
+            <a:r>
+              <a:rPr lang="en-IN" dirty="0"/>
+              <a:t>("click", function(){</a:t>
+            </a:r>
+          </a:p>
+          <a:p>
+            <a:pPr marL="45720" indent="0">
+              <a:buNone/>
+            </a:pPr>
+            <a:r>
+              <a:rPr lang="en-IN" dirty="0"/>
+              <a:t>    </a:t>
+            </a:r>
+            <a:r>
+              <a:rPr lang="en-IN" dirty="0" err="1"/>
+              <a:t>document.getElementById</a:t>
+            </a:r>
+            <a:r>
+              <a:rPr lang="en-IN" dirty="0"/>
+              <a:t>("text").</a:t>
+            </a:r>
+            <a:r>
+              <a:rPr lang="en-IN" dirty="0" err="1"/>
+              <a:t>innerText</a:t>
+            </a:r>
+            <a:r>
+              <a:rPr lang="en-IN" dirty="0"/>
+              <a:t> = "</a:t>
+            </a:r>
+            <a:r>
+              <a:rPr lang="en-IN" dirty="0" err="1"/>
+              <a:t>GeeksforGeeks</a:t>
+            </a:r>
+            <a:r>
+              <a:rPr lang="en-IN" dirty="0"/>
+              <a:t>";</a:t>
+            </a:r>
+          </a:p>
+          <a:p>
+            <a:pPr marL="45720" indent="0">
+              <a:buNone/>
+            </a:pPr>
+            <a:r>
+              <a:rPr lang="en-IN" dirty="0"/>
+              <a:t>});</a:t>
+            </a:r>
+          </a:p>
+          <a:p>
+            <a:pPr marL="45720" indent="0">
+              <a:buNone/>
+            </a:pPr>
+            <a:r>
+              <a:rPr lang="en-IN" dirty="0"/>
+              <a:t>    &lt;/script&gt;</a:t>
+            </a:r>
+          </a:p>
+          <a:p>
+            <a:pPr marL="45720" indent="0">
+              <a:buNone/>
+            </a:pPr>
+            <a:r>
+              <a:rPr lang="en-IN" dirty="0"/>
+              <a:t>&lt;/body&gt;</a:t>
+            </a:r>
+          </a:p>
+          <a:p>
+            <a:pPr marL="45720" indent="0">
+              <a:buNone/>
+            </a:pPr>
+            <a:r>
+              <a:rPr lang="en-IN" dirty="0"/>
+              <a:t>&lt;/html&gt; </a:t>
+            </a:r>
           </a:p>
         </p:txBody>
       </p:sp>
@@ -3602,12 +4095,31 @@
             <p:ph type="title"/>
           </p:nvPr>
         </p:nvSpPr>
-        <p:spPr/>
-        <p:txBody>
-          <a:bodyPr/>
+        <p:spPr>
+          <a:xfrm>
+            <a:off x="1143000" y="609600"/>
+            <a:ext cx="9875520" cy="716782"/>
+          </a:xfrm>
+        </p:spPr>
+        <p:txBody>
+          <a:bodyPr>
+            <a:normAutofit fontScale="90000"/>
+          </a:bodyPr>
           <a:lstStyle/>
           <a:p>
-            <a:endParaRPr lang="en-IN"/>
+            <a:r>
+              <a:rPr lang="en-US" sz="2800" dirty="0"/>
+              <a:t>JavaScript Code to show the working of </a:t>
+            </a:r>
+            <a:r>
+              <a:rPr lang="en-US" sz="2800" dirty="0" err="1"/>
+              <a:t>addEventListener</a:t>
+            </a:r>
+            <a:r>
+              <a:rPr lang="en-US" sz="2800" dirty="0"/>
+              <a:t>() method : code #2:</a:t>
+            </a:r>
+            <a:endParaRPr lang="en-IN" sz="2800" dirty="0"/>
           </a:p>
         </p:txBody>
       </p:sp>
@@ -3627,12 +4139,491 @@
             <p:ph idx="1"/>
           </p:nvPr>
         </p:nvSpPr>
-        <p:spPr/>
-        <p:txBody>
-          <a:bodyPr/>
+        <p:spPr>
+          <a:xfrm>
+            <a:off x="1143000" y="1507252"/>
+            <a:ext cx="9872871" cy="4813161"/>
+          </a:xfrm>
+        </p:spPr>
+        <p:txBody>
+          <a:bodyPr numCol="2">
+            <a:normAutofit fontScale="70000" lnSpcReduction="20000"/>
+          </a:bodyPr>
           <a:lstStyle/>
           <a:p>
-            <a:endParaRPr lang="en-IN"/>
+            <a:pPr marL="45720" indent="0">
+              <a:buNone/>
+            </a:pPr>
+            <a:r>
+              <a:rPr lang="en-IN" dirty="0"/>
+              <a:t>&lt;!DOCTYPE html&gt;</a:t>
+            </a:r>
+          </a:p>
+          <a:p>
+            <a:pPr marL="45720" indent="0">
+              <a:buNone/>
+            </a:pPr>
+            <a:r>
+              <a:rPr lang="en-IN" dirty="0"/>
+              <a:t>&lt;html&gt;</a:t>
+            </a:r>
+          </a:p>
+          <a:p>
+            <a:pPr marL="45720" indent="0">
+              <a:buNone/>
+            </a:pPr>
+            <a:r>
+              <a:rPr lang="en-IN" dirty="0"/>
+              <a:t>&lt;body&gt;</a:t>
+            </a:r>
+          </a:p>
+          <a:p>
+            <a:pPr marL="45720" indent="0">
+              <a:buNone/>
+            </a:pPr>
+            <a:r>
+              <a:rPr lang="en-IN" dirty="0"/>
+              <a:t>    &lt;button id="</a:t>
+            </a:r>
+            <a:r>
+              <a:rPr lang="en-IN" dirty="0" err="1"/>
+              <a:t>clickIt</a:t>
+            </a:r>
+            <a:r>
+              <a:rPr lang="en-IN" dirty="0"/>
+              <a:t>"&gt;Click here&lt;/button&gt;</a:t>
+            </a:r>
+          </a:p>
+          <a:p>
+            <a:pPr marL="45720" indent="0">
+              <a:buNone/>
+            </a:pPr>
+            <a:r>
+              <a:rPr lang="en-IN" dirty="0"/>
+              <a:t>    &lt;p id="</a:t>
+            </a:r>
+            <a:r>
+              <a:rPr lang="en-IN" dirty="0" err="1"/>
+              <a:t>hoverPara</a:t>
+            </a:r>
+            <a:r>
+              <a:rPr lang="en-IN" dirty="0"/>
+              <a:t>"&gt;Hover over this Text !&lt;/p&gt;</a:t>
+            </a:r>
+          </a:p>
+          <a:p>
+            <a:pPr marL="45720" indent="0">
+              <a:buNone/>
+            </a:pPr>
+            <a:r>
+              <a:rPr lang="en-IN" dirty="0"/>
+              <a:t>    &lt;b id="effect"&gt;&lt;/b&gt;</a:t>
+            </a:r>
+          </a:p>
+          <a:p>
+            <a:pPr marL="45720" indent="0">
+              <a:buNone/>
+            </a:pPr>
+            <a:r>
+              <a:rPr lang="en-IN" dirty="0"/>
+              <a:t>    &lt;script&gt;</a:t>
+            </a:r>
+          </a:p>
+          <a:p>
+            <a:pPr marL="45720" indent="0">
+              <a:buNone/>
+            </a:pPr>
+            <a:r>
+              <a:rPr lang="en-IN" dirty="0"/>
+              <a:t>        </a:t>
+            </a:r>
+            <a:r>
+              <a:rPr lang="en-IN" dirty="0" err="1"/>
+              <a:t>const</a:t>
+            </a:r>
+            <a:r>
+              <a:rPr lang="en-IN" dirty="0"/>
+              <a:t> x = </a:t>
+            </a:r>
+            <a:r>
+              <a:rPr lang="en-IN" dirty="0" err="1"/>
+              <a:t>document.getElementById</a:t>
+            </a:r>
+            <a:r>
+              <a:rPr lang="en-IN" dirty="0"/>
+              <a:t>("</a:t>
+            </a:r>
+            <a:r>
+              <a:rPr lang="en-IN" dirty="0" err="1"/>
+              <a:t>clickIt</a:t>
+            </a:r>
+            <a:r>
+              <a:rPr lang="en-IN" dirty="0"/>
+              <a:t>");</a:t>
+            </a:r>
+          </a:p>
+          <a:p>
+            <a:pPr marL="45720" indent="0">
+              <a:buNone/>
+            </a:pPr>
+            <a:r>
+              <a:rPr lang="en-IN" dirty="0"/>
+              <a:t>        </a:t>
+            </a:r>
+            <a:r>
+              <a:rPr lang="en-IN" dirty="0" err="1"/>
+              <a:t>const</a:t>
+            </a:r>
+            <a:r>
+              <a:rPr lang="en-IN" dirty="0"/>
+              <a:t> y = </a:t>
+            </a:r>
+            <a:r>
+              <a:rPr lang="en-IN" dirty="0" err="1"/>
+              <a:t>document.getElementById</a:t>
+            </a:r>
+            <a:r>
+              <a:rPr lang="en-IN" dirty="0"/>
+              <a:t>("</a:t>
+            </a:r>
+            <a:r>
+              <a:rPr lang="en-IN" dirty="0" err="1"/>
+              <a:t>hoverPara</a:t>
+            </a:r>
+            <a:r>
+              <a:rPr lang="en-IN" dirty="0"/>
+              <a:t>");</a:t>
+            </a:r>
+          </a:p>
+          <a:p>
+            <a:pPr marL="45720" indent="0">
+              <a:buNone/>
+            </a:pPr>
+            <a:r>
+              <a:rPr lang="en-IN" dirty="0"/>
+              <a:t>        </a:t>
+            </a:r>
+            <a:r>
+              <a:rPr lang="en-IN" dirty="0" err="1"/>
+              <a:t>x.addEventListener</a:t>
+            </a:r>
+            <a:r>
+              <a:rPr lang="en-IN" dirty="0"/>
+              <a:t>("click", </a:t>
+            </a:r>
+            <a:r>
+              <a:rPr lang="en-IN" dirty="0" err="1"/>
+              <a:t>RespondClick</a:t>
+            </a:r>
+            <a:r>
+              <a:rPr lang="en-IN" dirty="0"/>
+              <a:t>);</a:t>
+            </a:r>
+          </a:p>
+          <a:p>
+            <a:pPr marL="45720" indent="0">
+              <a:buNone/>
+            </a:pPr>
+            <a:r>
+              <a:rPr lang="en-IN" dirty="0"/>
+              <a:t>        </a:t>
+            </a:r>
+            <a:r>
+              <a:rPr lang="en-IN" dirty="0" err="1"/>
+              <a:t>y.addEventListener</a:t>
+            </a:r>
+            <a:r>
+              <a:rPr lang="en-IN" dirty="0"/>
+              <a:t>("mouseover", </a:t>
+            </a:r>
+            <a:r>
+              <a:rPr lang="en-IN" dirty="0" err="1"/>
+              <a:t>RespondMouseOver</a:t>
+            </a:r>
+            <a:r>
+              <a:rPr lang="en-IN" dirty="0"/>
+              <a:t>);</a:t>
+            </a:r>
+          </a:p>
+          <a:p>
+            <a:pPr marL="45720" indent="0">
+              <a:buNone/>
+            </a:pPr>
+            <a:r>
+              <a:rPr lang="en-IN" dirty="0"/>
+              <a:t>        </a:t>
+            </a:r>
+            <a:r>
+              <a:rPr lang="en-IN" dirty="0" err="1"/>
+              <a:t>y.addEventListener</a:t>
+            </a:r>
+            <a:r>
+              <a:rPr lang="en-IN" dirty="0"/>
+              <a:t>("</a:t>
+            </a:r>
+            <a:r>
+              <a:rPr lang="en-IN" dirty="0" err="1"/>
+              <a:t>mouseout</a:t>
+            </a:r>
+            <a:r>
+              <a:rPr lang="en-IN" dirty="0"/>
+              <a:t>", </a:t>
+            </a:r>
+            <a:r>
+              <a:rPr lang="en-IN" dirty="0" err="1"/>
+              <a:t>RespondMouseOut</a:t>
+            </a:r>
+            <a:r>
+              <a:rPr lang="en-IN" dirty="0"/>
+              <a:t>);</a:t>
+            </a:r>
+          </a:p>
+          <a:p>
+            <a:pPr marL="45720" indent="0">
+              <a:buNone/>
+            </a:pPr>
+            <a:r>
+              <a:rPr lang="en-IN" dirty="0"/>
+              <a:t>        function </a:t>
+            </a:r>
+            <a:r>
+              <a:rPr lang="en-IN" dirty="0" err="1"/>
+              <a:t>RespondMouseOver</a:t>
+            </a:r>
+            <a:r>
+              <a:rPr lang="en-IN" dirty="0"/>
+              <a:t>() {</a:t>
+            </a:r>
+          </a:p>
+          <a:p>
+            <a:pPr marL="45720" indent="0">
+              <a:buNone/>
+            </a:pPr>
+            <a:r>
+              <a:rPr lang="en-IN" dirty="0"/>
+              <a:t>            </a:t>
+            </a:r>
+            <a:r>
+              <a:rPr lang="en-IN" dirty="0" err="1"/>
+              <a:t>document.getElementById</a:t>
+            </a:r>
+            <a:r>
+              <a:rPr lang="en-IN" dirty="0"/>
+              <a:t>("effect").</a:t>
+            </a:r>
+            <a:r>
+              <a:rPr lang="en-IN" dirty="0" err="1"/>
+              <a:t>innerHTML</a:t>
+            </a:r>
+            <a:r>
+              <a:rPr lang="en-IN" dirty="0"/>
+              <a:t> +=</a:t>
+            </a:r>
+          </a:p>
+          <a:p>
+            <a:pPr marL="45720" indent="0">
+              <a:buNone/>
+            </a:pPr>
+            <a:r>
+              <a:rPr lang="en-IN" dirty="0"/>
+              <a:t>                       "</a:t>
+            </a:r>
+            <a:r>
+              <a:rPr lang="en-IN" dirty="0" err="1"/>
+              <a:t>MouseOver</a:t>
+            </a:r>
+            <a:r>
+              <a:rPr lang="en-IN" dirty="0"/>
+              <a:t> Event" + "&lt;</a:t>
+            </a:r>
+            <a:r>
+              <a:rPr lang="en-IN" dirty="0" err="1"/>
+              <a:t>br</a:t>
+            </a:r>
+            <a:r>
+              <a:rPr lang="en-IN" dirty="0"/>
+              <a:t>&gt;";</a:t>
+            </a:r>
+          </a:p>
+          <a:p>
+            <a:pPr marL="45720" indent="0">
+              <a:buNone/>
+            </a:pPr>
+            <a:r>
+              <a:rPr lang="en-IN" dirty="0"/>
+              <a:t>        }</a:t>
+            </a:r>
+          </a:p>
+          <a:p>
+            <a:pPr marL="45720" indent="0">
+              <a:buNone/>
+            </a:pPr>
+            <a:r>
+              <a:rPr lang="en-IN" dirty="0"/>
+              <a:t>        function </a:t>
+            </a:r>
+            <a:r>
+              <a:rPr lang="en-IN" dirty="0" err="1"/>
+              <a:t>RespondMouseOut</a:t>
+            </a:r>
+            <a:r>
+              <a:rPr lang="en-IN" dirty="0"/>
+              <a:t>() {</a:t>
+            </a:r>
+          </a:p>
+          <a:p>
+            <a:pPr marL="45720" indent="0">
+              <a:buNone/>
+            </a:pPr>
+            <a:r>
+              <a:rPr lang="en-IN" dirty="0"/>
+              <a:t>            </a:t>
+            </a:r>
+            <a:r>
+              <a:rPr lang="en-IN" dirty="0" err="1"/>
+              <a:t>document.getElementById</a:t>
+            </a:r>
+            <a:r>
+              <a:rPr lang="en-IN" dirty="0"/>
+              <a:t>("effect").</a:t>
+            </a:r>
+            <a:r>
+              <a:rPr lang="en-IN" dirty="0" err="1"/>
+              <a:t>innerHTML</a:t>
+            </a:r>
+            <a:r>
+              <a:rPr lang="en-IN" dirty="0"/>
+              <a:t> +=</a:t>
+            </a:r>
+          </a:p>
+          <a:p>
+            <a:pPr marL="45720" indent="0">
+              <a:buNone/>
+            </a:pPr>
+            <a:r>
+              <a:rPr lang="en-IN" dirty="0"/>
+              <a:t>                      "</a:t>
+            </a:r>
+            <a:r>
+              <a:rPr lang="en-IN" dirty="0" err="1"/>
+              <a:t>MouseOut</a:t>
+            </a:r>
+            <a:r>
+              <a:rPr lang="en-IN" dirty="0"/>
+              <a:t> Event" + "&lt;</a:t>
+            </a:r>
+            <a:r>
+              <a:rPr lang="en-IN" dirty="0" err="1"/>
+              <a:t>br</a:t>
+            </a:r>
+            <a:r>
+              <a:rPr lang="en-IN" dirty="0"/>
+              <a:t>&gt;";</a:t>
+            </a:r>
+          </a:p>
+          <a:p>
+            <a:pPr marL="45720" indent="0">
+              <a:buNone/>
+            </a:pPr>
+            <a:r>
+              <a:rPr lang="en-IN" dirty="0"/>
+              <a:t>        }</a:t>
+            </a:r>
+          </a:p>
+          <a:p>
+            <a:pPr marL="45720" indent="0">
+              <a:buNone/>
+            </a:pPr>
+            <a:r>
+              <a:rPr lang="en-IN" dirty="0"/>
+              <a:t>        function </a:t>
+            </a:r>
+            <a:r>
+              <a:rPr lang="en-IN" dirty="0" err="1"/>
+              <a:t>RespondClick</a:t>
+            </a:r>
+            <a:r>
+              <a:rPr lang="en-IN" dirty="0"/>
+              <a:t>() {</a:t>
+            </a:r>
+          </a:p>
+          <a:p>
+            <a:pPr marL="45720" indent="0">
+              <a:buNone/>
+            </a:pPr>
+            <a:r>
+              <a:rPr lang="en-IN" dirty="0"/>
+              <a:t>            </a:t>
+            </a:r>
+            <a:r>
+              <a:rPr lang="en-IN" dirty="0" err="1"/>
+              <a:t>document.getElementById</a:t>
+            </a:r>
+            <a:r>
+              <a:rPr lang="en-IN" dirty="0"/>
+              <a:t>("effect").</a:t>
+            </a:r>
+            <a:r>
+              <a:rPr lang="en-IN" dirty="0" err="1"/>
+              <a:t>innerHTML</a:t>
+            </a:r>
+            <a:r>
+              <a:rPr lang="en-IN" dirty="0"/>
+              <a:t> +=</a:t>
+            </a:r>
+          </a:p>
+          <a:p>
+            <a:pPr marL="45720" indent="0">
+              <a:buNone/>
+            </a:pPr>
+            <a:r>
+              <a:rPr lang="en-IN" dirty="0"/>
+              <a:t>                      "Click Event" + "&lt;</a:t>
+            </a:r>
+            <a:r>
+              <a:rPr lang="en-IN" dirty="0" err="1"/>
+              <a:t>br</a:t>
+            </a:r>
+            <a:r>
+              <a:rPr lang="en-IN" dirty="0"/>
+              <a:t>&gt;";</a:t>
+            </a:r>
+          </a:p>
+          <a:p>
+            <a:pPr marL="45720" indent="0">
+              <a:buNone/>
+            </a:pPr>
+            <a:r>
+              <a:rPr lang="en-IN" dirty="0"/>
+              <a:t>        }</a:t>
+            </a:r>
+          </a:p>
+          <a:p>
+            <a:pPr marL="45720" indent="0">
+              <a:buNone/>
+            </a:pPr>
+            <a:r>
+              <a:rPr lang="en-IN" dirty="0"/>
+              <a:t>    &lt;/script&gt;</a:t>
+            </a:r>
+          </a:p>
+          <a:p>
+            <a:pPr marL="45720" indent="0">
+              <a:buNone/>
+            </a:pPr>
+            <a:r>
+              <a:rPr lang="en-IN" dirty="0"/>
+              <a:t>&lt;/body&gt;</a:t>
+            </a:r>
+          </a:p>
+          <a:p>
+            <a:pPr marL="45720" indent="0">
+              <a:buNone/>
+            </a:pPr>
+            <a:r>
+              <a:rPr lang="en-IN" dirty="0"/>
+              <a:t>&lt;/html&gt;</a:t>
+            </a:r>
           </a:p>
         </p:txBody>
       </p:sp>
@@ -3682,12 +4673,22 @@
             <p:ph type="title"/>
           </p:nvPr>
         </p:nvSpPr>
-        <p:spPr/>
-        <p:txBody>
-          <a:bodyPr/>
+        <p:spPr>
+          <a:xfrm>
+            <a:off x="1143000" y="609600"/>
+            <a:ext cx="9875520" cy="576105"/>
+          </a:xfrm>
+        </p:spPr>
+        <p:txBody>
+          <a:bodyPr>
+            <a:normAutofit fontScale="90000"/>
+          </a:bodyPr>
           <a:lstStyle/>
           <a:p>
-            <a:endParaRPr lang="en-IN"/>
+            <a:r>
+              <a:rPr lang="en-IN" dirty="0"/>
+              <a:t>Event bubbling</a:t>
+            </a:r>
           </a:p>
         </p:txBody>
       </p:sp>
@@ -3707,12 +4708,81 @@
             <p:ph idx="1"/>
           </p:nvPr>
         </p:nvSpPr>
-        <p:spPr/>
-        <p:txBody>
-          <a:bodyPr/>
+        <p:spPr>
+          <a:xfrm>
+            <a:off x="1143000" y="1477108"/>
+            <a:ext cx="9872871" cy="4618892"/>
+          </a:xfrm>
+        </p:spPr>
+        <p:txBody>
+          <a:bodyPr>
+            <a:normAutofit/>
+          </a:bodyPr>
           <a:lstStyle/>
           <a:p>
-            <a:endParaRPr lang="en-IN"/>
+            <a:r>
+              <a:rPr lang="en-US" dirty="0"/>
+              <a:t>Event bubbling is a method of event propagation in the HTML DOM API when an event is in an element inside another element, and both elements have registered a handle to that event. It is a process that starts with the element that triggered the event and then bubbles up to the containing elements in the hierarchy. In event bubbling, the event is first captured and handled by the innermost element and then propagated to outer elements.</a:t>
+            </a:r>
+          </a:p>
+          <a:p>
+            <a:r>
+              <a:rPr lang="en-US" dirty="0"/>
+              <a:t>Syntax: </a:t>
+            </a:r>
+          </a:p>
+          <a:p>
+            <a:pPr lvl="1"/>
+            <a:r>
+              <a:rPr lang="en-US" dirty="0" err="1"/>
+              <a:t>addEventListener</a:t>
+            </a:r>
+            <a:r>
+              <a:rPr lang="en-US" dirty="0"/>
+              <a:t>(type, listener, </a:t>
+            </a:r>
+            <a:r>
+              <a:rPr lang="en-US" dirty="0" err="1"/>
+              <a:t>useCapture</a:t>
+            </a:r>
+            <a:r>
+              <a:rPr lang="en-US" dirty="0"/>
+              <a:t>)</a:t>
+            </a:r>
+          </a:p>
+          <a:p>
+            <a:pPr lvl="2"/>
+            <a:r>
+              <a:rPr lang="en-US" dirty="0"/>
+              <a:t>type: Use to refer to the type of event.</a:t>
+            </a:r>
+          </a:p>
+          <a:p>
+            <a:pPr lvl="2"/>
+            <a:r>
+              <a:rPr lang="en-US" dirty="0"/>
+              <a:t>listener: Function we want to call when the event of the specified type occurs.</a:t>
+            </a:r>
+          </a:p>
+          <a:p>
+            <a:pPr lvl="2"/>
+            <a:r>
+              <a:rPr lang="en-US" dirty="0" err="1"/>
+              <a:t>userCapture</a:t>
+            </a:r>
+            <a:r>
+              <a:rPr lang="en-US" dirty="0"/>
+              <a:t>: Boolean value. Boolean value indicates event phase. By Default </a:t>
+            </a:r>
+            <a:r>
+              <a:rPr lang="en-US" dirty="0" err="1"/>
+              <a:t>useCapture</a:t>
+            </a:r>
+            <a:r>
+              <a:rPr lang="en-US" dirty="0"/>
+              <a:t> is false. It means it is in the bubbling phase.</a:t>
+            </a:r>
+            <a:endParaRPr lang="en-IN" dirty="0"/>
           </a:p>
         </p:txBody>
       </p:sp>
@@ -3762,12 +4832,23 @@
             <p:ph type="title"/>
           </p:nvPr>
         </p:nvSpPr>
-        <p:spPr/>
-        <p:txBody>
-          <a:bodyPr/>
+        <p:spPr>
+          <a:xfrm>
+            <a:off x="1143000" y="609600"/>
+            <a:ext cx="9875520" cy="576105"/>
+          </a:xfrm>
+        </p:spPr>
+        <p:txBody>
+          <a:bodyPr>
+            <a:normAutofit/>
+          </a:bodyPr>
           <a:lstStyle/>
           <a:p>
-            <a:endParaRPr lang="en-IN"/>
+            <a:r>
+              <a:rPr lang="en-US" sz="2400" dirty="0"/>
+              <a:t>Example 1: This example shows the working of event bubbling in JavaScript.</a:t>
+            </a:r>
+            <a:endParaRPr lang="en-IN" sz="2400" dirty="0"/>
           </a:p>
         </p:txBody>
       </p:sp>
@@ -3787,12 +4868,330 @@
             <p:ph idx="1"/>
           </p:nvPr>
         </p:nvSpPr>
-        <p:spPr/>
-        <p:txBody>
-          <a:bodyPr/>
+        <p:spPr>
+          <a:xfrm>
+            <a:off x="1143000" y="1366576"/>
+            <a:ext cx="9872871" cy="4729424"/>
+          </a:xfrm>
+        </p:spPr>
+        <p:txBody>
+          <a:bodyPr numCol="2">
+            <a:normAutofit fontScale="55000" lnSpcReduction="20000"/>
+          </a:bodyPr>
           <a:lstStyle/>
           <a:p>
-            <a:endParaRPr lang="en-IN"/>
+            <a:pPr marL="45720" indent="0">
+              <a:buNone/>
+            </a:pPr>
+            <a:r>
+              <a:rPr lang="en-IN" dirty="0"/>
+              <a:t>&lt;!DOCTYPE html&gt;</a:t>
+            </a:r>
+          </a:p>
+          <a:p>
+            <a:pPr marL="45720" indent="0">
+              <a:buNone/>
+            </a:pPr>
+            <a:r>
+              <a:rPr lang="en-IN" dirty="0"/>
+              <a:t>&lt;html&gt;</a:t>
+            </a:r>
+          </a:p>
+          <a:p>
+            <a:pPr marL="45720" indent="0">
+              <a:buNone/>
+            </a:pPr>
+            <a:r>
+              <a:rPr lang="en-IN" dirty="0"/>
+              <a:t>&lt;head&gt;</a:t>
+            </a:r>
+          </a:p>
+          <a:p>
+            <a:pPr marL="45720" indent="0">
+              <a:buNone/>
+            </a:pPr>
+            <a:r>
+              <a:rPr lang="en-IN" dirty="0"/>
+              <a:t>    &lt;title&gt;</a:t>
+            </a:r>
+          </a:p>
+          <a:p>
+            <a:pPr marL="45720" indent="0">
+              <a:buNone/>
+            </a:pPr>
+            <a:r>
+              <a:rPr lang="en-IN" dirty="0"/>
+              <a:t>        Bubbling Event in </a:t>
+            </a:r>
+            <a:r>
+              <a:rPr lang="en-IN" dirty="0" err="1"/>
+              <a:t>Javascript</a:t>
+            </a:r>
+            <a:endParaRPr lang="en-IN" dirty="0"/>
+          </a:p>
+          <a:p>
+            <a:pPr marL="45720" indent="0">
+              <a:buNone/>
+            </a:pPr>
+            <a:r>
+              <a:rPr lang="en-IN" dirty="0"/>
+              <a:t>    &lt;/title&gt;</a:t>
+            </a:r>
+          </a:p>
+          <a:p>
+            <a:pPr marL="45720" indent="0">
+              <a:buNone/>
+            </a:pPr>
+            <a:r>
+              <a:rPr lang="en-IN" dirty="0"/>
+              <a:t>&lt;/head&gt;</a:t>
+            </a:r>
+          </a:p>
+          <a:p>
+            <a:pPr marL="45720" indent="0">
+              <a:buNone/>
+            </a:pPr>
+            <a:r>
+              <a:rPr lang="en-IN" dirty="0"/>
+              <a:t>&lt;body&gt;</a:t>
+            </a:r>
+          </a:p>
+          <a:p>
+            <a:pPr marL="45720" indent="0">
+              <a:buNone/>
+            </a:pPr>
+            <a:r>
+              <a:rPr lang="en-IN" dirty="0"/>
+              <a:t>    &lt;h2&gt;Bubbling Event in </a:t>
+            </a:r>
+            <a:r>
+              <a:rPr lang="en-IN" dirty="0" err="1"/>
+              <a:t>Javascript</a:t>
+            </a:r>
+            <a:r>
+              <a:rPr lang="en-IN" dirty="0"/>
+              <a:t>&lt;/h2&gt;</a:t>
+            </a:r>
+          </a:p>
+          <a:p>
+            <a:pPr marL="45720" indent="0">
+              <a:buNone/>
+            </a:pPr>
+            <a:r>
+              <a:rPr lang="en-IN" dirty="0"/>
+              <a:t>    &lt;div id="parent"&gt;</a:t>
+            </a:r>
+          </a:p>
+          <a:p>
+            <a:pPr marL="45720" indent="0">
+              <a:buNone/>
+            </a:pPr>
+            <a:r>
+              <a:rPr lang="en-IN" dirty="0"/>
+              <a:t>      &lt;button&gt;</a:t>
+            </a:r>
+          </a:p>
+          <a:p>
+            <a:pPr marL="45720" indent="0">
+              <a:buNone/>
+            </a:pPr>
+            <a:r>
+              <a:rPr lang="en-IN" dirty="0"/>
+              <a:t>          &lt;h2&gt;Parent&lt;/h2&gt;</a:t>
+            </a:r>
+          </a:p>
+          <a:p>
+            <a:pPr marL="45720" indent="0">
+              <a:buNone/>
+            </a:pPr>
+            <a:r>
+              <a:rPr lang="en-IN" dirty="0"/>
+              <a:t>      &lt;/button&gt;</a:t>
+            </a:r>
+          </a:p>
+          <a:p>
+            <a:pPr marL="45720" indent="0">
+              <a:buNone/>
+            </a:pPr>
+            <a:r>
+              <a:rPr lang="en-IN" dirty="0"/>
+              <a:t>      &lt;button id="child"&gt;</a:t>
+            </a:r>
+          </a:p>
+          <a:p>
+            <a:pPr marL="45720" indent="0">
+              <a:buNone/>
+            </a:pPr>
+            <a:r>
+              <a:rPr lang="en-IN" dirty="0"/>
+              <a:t>&lt;p&gt;Child&lt;/p&gt;</a:t>
+            </a:r>
+          </a:p>
+          <a:p>
+            <a:pPr marL="45720" indent="0">
+              <a:buNone/>
+            </a:pPr>
+            <a:r>
+              <a:rPr lang="en-IN" dirty="0"/>
+              <a:t>      &lt;/button&gt;</a:t>
+            </a:r>
+          </a:p>
+          <a:p>
+            <a:pPr marL="45720" indent="0">
+              <a:buNone/>
+            </a:pPr>
+            <a:r>
+              <a:rPr lang="en-IN" dirty="0"/>
+              <a:t>    &lt;/div&gt;&lt;</a:t>
+            </a:r>
+            <a:r>
+              <a:rPr lang="en-IN" dirty="0" err="1"/>
+              <a:t>br</a:t>
+            </a:r>
+            <a:r>
+              <a:rPr lang="en-IN" dirty="0"/>
+              <a:t>&gt;</a:t>
+            </a:r>
+          </a:p>
+          <a:p>
+            <a:pPr marL="45720" indent="0">
+              <a:buNone/>
+            </a:pPr>
+            <a:r>
+              <a:rPr lang="en-IN" dirty="0"/>
+              <a:t>    &lt;script&gt;</a:t>
+            </a:r>
+          </a:p>
+          <a:p>
+            <a:pPr marL="45720" indent="0">
+              <a:buNone/>
+            </a:pPr>
+            <a:r>
+              <a:rPr lang="en-IN" dirty="0"/>
+              <a:t>        </a:t>
+            </a:r>
+            <a:r>
+              <a:rPr lang="en-IN" dirty="0" err="1"/>
+              <a:t>document.getElementById</a:t>
+            </a:r>
+            <a:r>
+              <a:rPr lang="en-IN" dirty="0"/>
+              <a:t>(</a:t>
+            </a:r>
+          </a:p>
+          <a:p>
+            <a:pPr marL="45720" indent="0">
+              <a:buNone/>
+            </a:pPr>
+            <a:r>
+              <a:rPr lang="en-IN" dirty="0"/>
+              <a:t>"child").</a:t>
+            </a:r>
+            <a:r>
+              <a:rPr lang="en-IN" dirty="0" err="1"/>
+              <a:t>addEventListener</a:t>
+            </a:r>
+            <a:r>
+              <a:rPr lang="en-IN" dirty="0"/>
+              <a:t>("click", function () {</a:t>
+            </a:r>
+          </a:p>
+          <a:p>
+            <a:pPr marL="45720" indent="0">
+              <a:buNone/>
+            </a:pPr>
+            <a:r>
+              <a:rPr lang="en-IN" dirty="0"/>
+              <a:t>            alert("You clicked the Child element!");</a:t>
+            </a:r>
+          </a:p>
+          <a:p>
+            <a:pPr marL="45720" indent="0">
+              <a:buNone/>
+            </a:pPr>
+            <a:r>
+              <a:rPr lang="en-IN" dirty="0"/>
+              <a:t>        }, false);</a:t>
+            </a:r>
+          </a:p>
+          <a:p>
+            <a:pPr marL="45720" indent="0">
+              <a:buNone/>
+            </a:pPr>
+            <a:r>
+              <a:rPr lang="en-IN" dirty="0"/>
+              <a:t>        </a:t>
+            </a:r>
+            <a:r>
+              <a:rPr lang="en-IN" dirty="0" err="1"/>
+              <a:t>document.getElementById</a:t>
+            </a:r>
+            <a:r>
+              <a:rPr lang="en-IN" dirty="0"/>
+              <a:t>(</a:t>
+            </a:r>
+          </a:p>
+          <a:p>
+            <a:pPr marL="45720" indent="0">
+              <a:buNone/>
+            </a:pPr>
+            <a:r>
+              <a:rPr lang="en-IN" dirty="0"/>
+              <a:t>"parent").</a:t>
+            </a:r>
+            <a:r>
+              <a:rPr lang="en-IN" dirty="0" err="1"/>
+              <a:t>addEventListener</a:t>
+            </a:r>
+            <a:r>
+              <a:rPr lang="en-IN" dirty="0"/>
+              <a:t>("click", function () {</a:t>
+            </a:r>
+          </a:p>
+          <a:p>
+            <a:pPr marL="45720" indent="0">
+              <a:buNone/>
+            </a:pPr>
+            <a:r>
+              <a:rPr lang="en-IN" dirty="0"/>
+              <a:t>            alert("You clicked the parent element!");</a:t>
+            </a:r>
+          </a:p>
+          <a:p>
+            <a:pPr marL="45720" indent="0">
+              <a:buNone/>
+            </a:pPr>
+            <a:r>
+              <a:rPr lang="en-IN" dirty="0"/>
+              <a:t>        }, false);</a:t>
+            </a:r>
+          </a:p>
+          <a:p>
+            <a:pPr marL="45720" indent="0">
+              <a:buNone/>
+            </a:pPr>
+            <a:r>
+              <a:rPr lang="en-IN" dirty="0"/>
+              <a:t>    &lt;/script&gt;</a:t>
+            </a:r>
+          </a:p>
+          <a:p>
+            <a:pPr marL="45720" indent="0">
+              <a:buNone/>
+            </a:pPr>
+            <a:r>
+              <a:rPr lang="en-IN" dirty="0"/>
+              <a:t>&lt;/body&gt;</a:t>
+            </a:r>
+          </a:p>
+          <a:p>
+            <a:pPr marL="45720" indent="0">
+              <a:buNone/>
+            </a:pPr>
+            <a:r>
+              <a:rPr lang="en-IN" dirty="0"/>
+              <a:t>&lt;/html&gt;</a:t>
+            </a:r>
           </a:p>
         </p:txBody>
       </p:sp>
@@ -3844,10 +5243,22 @@
         </p:nvSpPr>
         <p:spPr/>
         <p:txBody>
-          <a:bodyPr/>
+          <a:bodyPr>
+            <a:normAutofit/>
+          </a:bodyPr>
           <a:lstStyle/>
           <a:p>
-            <a:endParaRPr lang="en-IN"/>
+            <a:r>
+              <a:rPr lang="en-US" b="1" i="0" dirty="0">
+                <a:solidFill>
+                  <a:srgbClr val="0A0A23"/>
+                </a:solidFill>
+                <a:effectLst/>
+                <a:latin typeface="Lato" panose="020F0502020204030203" pitchFamily="34" charset="0"/>
+              </a:rPr>
+              <a:t>Event Delegation in JavaScript –Explained with an Example</a:t>
+            </a:r>
+            <a:endParaRPr lang="en-IN" dirty="0"/>
           </a:p>
         </p:txBody>
       </p:sp>
@@ -3867,12 +5278,140 @@
             <p:ph idx="1"/>
           </p:nvPr>
         </p:nvSpPr>
-        <p:spPr/>
-        <p:txBody>
-          <a:bodyPr/>
+        <p:spPr>
+          <a:xfrm>
+            <a:off x="1143000" y="2057399"/>
+            <a:ext cx="9872871" cy="4313255"/>
+          </a:xfrm>
+        </p:spPr>
+        <p:txBody>
+          <a:bodyPr>
+            <a:normAutofit fontScale="85000" lnSpcReduction="20000"/>
+          </a:bodyPr>
           <a:lstStyle/>
           <a:p>
-            <a:endParaRPr lang="en-IN"/>
+            <a:pPr marL="45720" indent="0">
+              <a:buNone/>
+            </a:pPr>
+            <a:r>
+              <a:rPr lang="en-US" b="0" i="0" dirty="0">
+                <a:solidFill>
+                  <a:srgbClr val="0A0A23"/>
+                </a:solidFill>
+                <a:effectLst/>
+                <a:latin typeface="Lato" panose="020F0502020204030203" pitchFamily="34" charset="0"/>
+              </a:rPr>
+              <a:t>Event Delegation is a pattern based upon the concept of </a:t>
+            </a:r>
+            <a:r>
+              <a:rPr lang="en-US" b="0" i="0" u="sng" dirty="0">
+                <a:effectLst/>
+                <a:latin typeface="Lato" panose="020F0502020204030203" pitchFamily="34" charset="0"/>
+                <a:hlinkClick r:id="rId2"/>
+              </a:rPr>
+              <a:t>Event Bubbling</a:t>
+            </a:r>
+            <a:r>
+              <a:rPr lang="en-US" b="0" i="0" dirty="0">
+                <a:solidFill>
+                  <a:srgbClr val="0A0A23"/>
+                </a:solidFill>
+                <a:effectLst/>
+                <a:latin typeface="Lato" panose="020F0502020204030203" pitchFamily="34" charset="0"/>
+              </a:rPr>
+              <a:t>. It is an event-handling pattern that allows you to handle events at a higher level in the DOM tree other than the level where the event was first received.</a:t>
+            </a:r>
+          </a:p>
+          <a:p>
+            <a:pPr marL="45720" indent="0">
+              <a:buNone/>
+            </a:pPr>
+            <a:r>
+              <a:rPr lang="en-US" dirty="0"/>
+              <a:t>A Brief Intro to Event Propagation</a:t>
+            </a:r>
+          </a:p>
+          <a:p>
+            <a:pPr marL="45720" indent="0">
+              <a:buNone/>
+            </a:pPr>
+            <a:r>
+              <a:rPr lang="en-US" dirty="0"/>
+              <a:t>By default, events triggered on an element propagate up the DOM tree to the element's parent, its ancestors, and on up until the root element (html).</a:t>
+            </a:r>
+          </a:p>
+          <a:p>
+            <a:pPr marL="45720" indent="0">
+              <a:buNone/>
+            </a:pPr>
+            <a:r>
+              <a:rPr lang="en-US" dirty="0"/>
+              <a:t>Look at this example:</a:t>
+            </a:r>
+          </a:p>
+          <a:p>
+            <a:pPr marL="274320" lvl="1" indent="0">
+              <a:buNone/>
+            </a:pPr>
+            <a:r>
+              <a:rPr lang="en-US" dirty="0"/>
+              <a:t>&lt;div&gt;</a:t>
+            </a:r>
+          </a:p>
+          <a:p>
+            <a:pPr marL="274320" lvl="1" indent="0">
+              <a:buNone/>
+            </a:pPr>
+            <a:r>
+              <a:rPr lang="en-US" dirty="0"/>
+              <a:t>  &lt;span&gt;</a:t>
+            </a:r>
+          </a:p>
+          <a:p>
+            <a:pPr marL="274320" lvl="1" indent="0">
+              <a:buNone/>
+            </a:pPr>
+            <a:r>
+              <a:rPr lang="en-US" dirty="0"/>
+              <a:t>    &lt;button&gt;Click Me!&lt;/button&gt;</a:t>
+            </a:r>
+          </a:p>
+          <a:p>
+            <a:pPr marL="274320" lvl="1" indent="0">
+              <a:buNone/>
+            </a:pPr>
+            <a:r>
+              <a:rPr lang="en-US" dirty="0"/>
+              <a:t>  &lt;/span&gt;</a:t>
+            </a:r>
+          </a:p>
+          <a:p>
+            <a:pPr marL="274320" lvl="1" indent="0">
+              <a:buNone/>
+            </a:pPr>
+            <a:r>
+              <a:rPr lang="en-US" dirty="0"/>
+              <a:t>&lt;/div&gt;</a:t>
+            </a:r>
+          </a:p>
+          <a:p>
+            <a:pPr marL="45720" indent="0">
+              <a:buNone/>
+            </a:pPr>
+            <a:r>
+              <a:rPr lang="en-US" dirty="0"/>
+              <a:t>Here we have a div which is a parent of a span which in turn is a parent of the button element.</a:t>
+            </a:r>
+          </a:p>
+          <a:p>
+            <a:pPr marL="45720" indent="0">
+              <a:buNone/>
+            </a:pPr>
+            <a:r>
+              <a:rPr lang="en-US" dirty="0"/>
+              <a:t>Due to event bubbling, when the button receives an event, say click, that event bubbles up the tree, so span and div will respectively receive the event also.</a:t>
+            </a:r>
+            <a:endParaRPr lang="en-IN" dirty="0"/>
           </a:p>
         </p:txBody>
       </p:sp>
@@ -3908,31 +5447,6 @@
       </p:grpSpPr>
       <p:sp>
         <p:nvSpPr>
-          <p:cNvPr id="2" name="Title 1">
-            <a:extLst>
-              <a:ext uri="{FF2B5EF4-FFF2-40B4-BE49-F238E27FC236}">
-                <a16:creationId xmlns:a16="http://schemas.microsoft.com/office/drawing/2014/main" id="{3F594028-9AB9-EC36-76BF-F07B9419054B}"/>
-              </a:ext>
-            </a:extLst>
-          </p:cNvPr>
-          <p:cNvSpPr>
-            <a:spLocks noGrp="1"/>
-          </p:cNvSpPr>
-          <p:nvPr>
-            <p:ph type="title"/>
-          </p:nvPr>
-        </p:nvSpPr>
-        <p:spPr/>
-        <p:txBody>
-          <a:bodyPr/>
-          <a:lstStyle/>
-          <a:p>
-            <a:endParaRPr lang="en-IN"/>
-          </a:p>
-        </p:txBody>
-      </p:sp>
-      <p:sp>
-        <p:nvSpPr>
           <p:cNvPr id="3" name="Content Placeholder 2">
             <a:extLst>
               <a:ext uri="{FF2B5EF4-FFF2-40B4-BE49-F238E27FC236}">
@@ -3947,12 +5461,153 @@
             <p:ph idx="1"/>
           </p:nvPr>
         </p:nvSpPr>
-        <p:spPr/>
-        <p:txBody>
-          <a:bodyPr/>
+        <p:spPr>
+          <a:xfrm>
+            <a:off x="1143000" y="763675"/>
+            <a:ext cx="9872871" cy="5536641"/>
+          </a:xfrm>
+        </p:spPr>
+        <p:txBody>
+          <a:bodyPr>
+            <a:normAutofit fontScale="92500" lnSpcReduction="20000"/>
+          </a:bodyPr>
           <a:lstStyle/>
           <a:p>
-            <a:endParaRPr lang="en-IN"/>
+            <a:pPr marL="45720" indent="0">
+              <a:buNone/>
+            </a:pPr>
+            <a:r>
+              <a:rPr lang="en-US" sz="3800" b="1" dirty="0"/>
+              <a:t>How Does Event Delegation Work?</a:t>
+            </a:r>
+          </a:p>
+          <a:p>
+            <a:pPr marL="45720" indent="0">
+              <a:buNone/>
+            </a:pPr>
+            <a:r>
+              <a:rPr lang="en-US" dirty="0"/>
+              <a:t>With event delegation, instead of handling the click event on the button, you can handle it on the div.</a:t>
+            </a:r>
+          </a:p>
+          <a:p>
+            <a:pPr marL="45720" indent="0">
+              <a:buNone/>
+            </a:pPr>
+            <a:r>
+              <a:rPr lang="en-US" dirty="0"/>
+              <a:t>The idea is that you "delegate" the handling of an event to a different element (in this case, the div, which is a parent element) instead of the actual element (the button) that received the event.</a:t>
+            </a:r>
+          </a:p>
+          <a:p>
+            <a:pPr marL="45720" indent="0">
+              <a:buNone/>
+            </a:pPr>
+            <a:r>
+              <a:rPr lang="en-US" dirty="0"/>
+              <a:t>Here's what I mean by that in code:</a:t>
+            </a:r>
+          </a:p>
+          <a:p>
+            <a:pPr marL="274320" lvl="1" indent="0">
+              <a:buNone/>
+            </a:pPr>
+            <a:r>
+              <a:rPr lang="en-US" dirty="0"/>
+              <a:t>const div = </a:t>
+            </a:r>
+            <a:r>
+              <a:rPr lang="en-US" dirty="0" err="1"/>
+              <a:t>document.getElementsByTagName</a:t>
+            </a:r>
+            <a:r>
+              <a:rPr lang="en-US" dirty="0"/>
+              <a:t>("div")[0]</a:t>
+            </a:r>
+          </a:p>
+          <a:p>
+            <a:pPr marL="274320" lvl="1" indent="0">
+              <a:buNone/>
+            </a:pPr>
+            <a:r>
+              <a:rPr lang="en-US" dirty="0" err="1"/>
+              <a:t>div.addEventListener</a:t>
+            </a:r>
+            <a:r>
+              <a:rPr lang="en-US" dirty="0"/>
+              <a:t>("click", (event) =&gt; {</a:t>
+            </a:r>
+          </a:p>
+          <a:p>
+            <a:pPr marL="274320" lvl="1" indent="0">
+              <a:buNone/>
+            </a:pPr>
+            <a:r>
+              <a:rPr lang="en-US" dirty="0"/>
+              <a:t>  if(</a:t>
+            </a:r>
+            <a:r>
+              <a:rPr lang="en-US" dirty="0" err="1"/>
+              <a:t>event.target.tagName</a:t>
+            </a:r>
+            <a:r>
+              <a:rPr lang="en-US" dirty="0"/>
+              <a:t> === 'BUTTON') {</a:t>
+            </a:r>
+          </a:p>
+          <a:p>
+            <a:pPr marL="274320" lvl="1" indent="0">
+              <a:buNone/>
+            </a:pPr>
+            <a:r>
+              <a:rPr lang="en-US" dirty="0"/>
+              <a:t>    console.log("button was clicked")</a:t>
+            </a:r>
+          </a:p>
+          <a:p>
+            <a:pPr marL="274320" lvl="1" indent="0">
+              <a:buNone/>
+            </a:pPr>
+            <a:r>
+              <a:rPr lang="en-US" dirty="0"/>
+              <a:t>  }</a:t>
+            </a:r>
+          </a:p>
+          <a:p>
+            <a:pPr marL="274320" lvl="1" indent="0">
+              <a:buNone/>
+            </a:pPr>
+            <a:r>
+              <a:rPr lang="en-US" dirty="0"/>
+              <a:t>})</a:t>
+            </a:r>
+          </a:p>
+          <a:p>
+            <a:pPr marL="45720" indent="0">
+              <a:buNone/>
+            </a:pPr>
+            <a:r>
+              <a:rPr lang="en-US" dirty="0"/>
+              <a:t>The event object has a target property which contains information about the element that actually received the event. On </a:t>
+            </a:r>
+            <a:r>
+              <a:rPr lang="en-US" dirty="0" err="1"/>
+              <a:t>target.tagName</a:t>
+            </a:r>
+            <a:r>
+              <a:rPr lang="en-US" dirty="0"/>
+              <a:t>, we get the name of the tag for the element, and we check if it's BUTTON.</a:t>
+            </a:r>
+          </a:p>
+          <a:p>
+            <a:pPr marL="45720" indent="0">
+              <a:buNone/>
+            </a:pPr>
+            <a:r>
+              <a:rPr lang="en-US" dirty="0"/>
+              <a:t>With this code, when you click the button, the event bubbles up to the div which handles the event.</a:t>
+            </a:r>
+            <a:endParaRPr lang="en-IN" dirty="0"/>
           </a:p>
         </p:txBody>
       </p:sp>
@@ -3988,31 +5643,6 @@
       </p:grpSpPr>
       <p:sp>
         <p:nvSpPr>
-          <p:cNvPr id="2" name="Title 1">
-            <a:extLst>
-              <a:ext uri="{FF2B5EF4-FFF2-40B4-BE49-F238E27FC236}">
-                <a16:creationId xmlns:a16="http://schemas.microsoft.com/office/drawing/2014/main" id="{4AF87F7C-B7D1-B971-4716-F196FF440078}"/>
-              </a:ext>
-            </a:extLst>
-          </p:cNvPr>
-          <p:cNvSpPr>
-            <a:spLocks noGrp="1"/>
-          </p:cNvSpPr>
-          <p:nvPr>
-            <p:ph type="title"/>
-          </p:nvPr>
-        </p:nvSpPr>
-        <p:spPr/>
-        <p:txBody>
-          <a:bodyPr/>
-          <a:lstStyle/>
-          <a:p>
-            <a:endParaRPr lang="en-IN"/>
-          </a:p>
-        </p:txBody>
-      </p:sp>
-      <p:sp>
-        <p:nvSpPr>
           <p:cNvPr id="3" name="Content Placeholder 2">
             <a:extLst>
               <a:ext uri="{FF2B5EF4-FFF2-40B4-BE49-F238E27FC236}">
@@ -4027,12 +5657,255 @@
             <p:ph idx="1"/>
           </p:nvPr>
         </p:nvSpPr>
-        <p:spPr/>
-        <p:txBody>
-          <a:bodyPr/>
+        <p:spPr>
+          <a:xfrm>
+            <a:off x="1143000" y="582804"/>
+            <a:ext cx="9872871" cy="5717512"/>
+          </a:xfrm>
+        </p:spPr>
+        <p:txBody>
+          <a:bodyPr>
+            <a:normAutofit fontScale="70000" lnSpcReduction="20000"/>
+          </a:bodyPr>
           <a:lstStyle/>
           <a:p>
-            <a:endParaRPr lang="en-IN"/>
+            <a:pPr marL="45720" indent="0">
+              <a:buNone/>
+            </a:pPr>
+            <a:r>
+              <a:rPr lang="en-US" sz="5600" b="1" dirty="0"/>
+              <a:t>Benefits of Event Delegation</a:t>
+            </a:r>
+          </a:p>
+          <a:p>
+            <a:pPr marL="45720" indent="0">
+              <a:buNone/>
+            </a:pPr>
+            <a:r>
+              <a:rPr lang="en-US" dirty="0"/>
+              <a:t>Event Delegation is a useful pattern that allows you to write cleaner code, and create fewer event listeners with similar logic.</a:t>
+            </a:r>
+          </a:p>
+          <a:p>
+            <a:pPr marL="45720" indent="0">
+              <a:buNone/>
+            </a:pPr>
+            <a:r>
+              <a:rPr lang="en-US" dirty="0"/>
+              <a:t>What do I mean by this? Look at this code:</a:t>
+            </a:r>
+          </a:p>
+          <a:p>
+            <a:pPr marL="274320" lvl="1" indent="0">
+              <a:buNone/>
+            </a:pPr>
+            <a:r>
+              <a:rPr lang="en-US" dirty="0"/>
+              <a:t>&lt;div&gt;</a:t>
+            </a:r>
+          </a:p>
+          <a:p>
+            <a:pPr marL="274320" lvl="1" indent="0">
+              <a:buNone/>
+            </a:pPr>
+            <a:r>
+              <a:rPr lang="en-US" dirty="0"/>
+              <a:t>  &lt;button&gt;Button 1&lt;/button&gt;</a:t>
+            </a:r>
+          </a:p>
+          <a:p>
+            <a:pPr marL="274320" lvl="1" indent="0">
+              <a:buNone/>
+            </a:pPr>
+            <a:r>
+              <a:rPr lang="en-US" dirty="0"/>
+              <a:t>  &lt;button&gt;Button 2&lt;/button&gt;</a:t>
+            </a:r>
+          </a:p>
+          <a:p>
+            <a:pPr marL="274320" lvl="1" indent="0">
+              <a:buNone/>
+            </a:pPr>
+            <a:r>
+              <a:rPr lang="en-US" dirty="0"/>
+              <a:t>  &lt;button&gt;Button 3&lt;/button&gt;</a:t>
+            </a:r>
+          </a:p>
+          <a:p>
+            <a:pPr marL="274320" lvl="1" indent="0">
+              <a:buNone/>
+            </a:pPr>
+            <a:r>
+              <a:rPr lang="en-US" dirty="0"/>
+              <a:t>&lt;/div&gt;</a:t>
+            </a:r>
+          </a:p>
+          <a:p>
+            <a:pPr marL="45720" indent="0">
+              <a:buNone/>
+            </a:pPr>
+            <a:r>
+              <a:rPr lang="en-US" dirty="0"/>
+              <a:t>Here we have 3 buttons. Let's say we wanted to handle a click event on each button, such that when it is clicked, the button's text is logged to the console. We can implement that like this:</a:t>
+            </a:r>
+          </a:p>
+          <a:p>
+            <a:pPr marL="274320" lvl="1" indent="0">
+              <a:buNone/>
+            </a:pPr>
+            <a:r>
+              <a:rPr lang="en-US" dirty="0"/>
+              <a:t>const buttons = </a:t>
+            </a:r>
+            <a:r>
+              <a:rPr lang="en-US" dirty="0" err="1"/>
+              <a:t>document.querySelectorAll</a:t>
+            </a:r>
+            <a:r>
+              <a:rPr lang="en-US" dirty="0"/>
+              <a:t>('button')</a:t>
+            </a:r>
+          </a:p>
+          <a:p>
+            <a:pPr marL="274320" lvl="1" indent="0">
+              <a:buNone/>
+            </a:pPr>
+            <a:r>
+              <a:rPr lang="en-US" dirty="0" err="1"/>
+              <a:t>buttons.forEach</a:t>
+            </a:r>
+            <a:r>
+              <a:rPr lang="en-US" dirty="0"/>
+              <a:t>(button =&gt; {</a:t>
+            </a:r>
+          </a:p>
+          <a:p>
+            <a:pPr marL="274320" lvl="1" indent="0">
+              <a:buNone/>
+            </a:pPr>
+            <a:r>
+              <a:rPr lang="en-US" dirty="0"/>
+              <a:t>  </a:t>
+            </a:r>
+            <a:r>
+              <a:rPr lang="en-US" dirty="0" err="1"/>
+              <a:t>button.addEventListener</a:t>
+            </a:r>
+            <a:r>
+              <a:rPr lang="en-US" dirty="0"/>
+              <a:t>("click", (event) =&gt; {</a:t>
+            </a:r>
+          </a:p>
+          <a:p>
+            <a:pPr marL="274320" lvl="1" indent="0">
+              <a:buNone/>
+            </a:pPr>
+            <a:r>
+              <a:rPr lang="en-US" dirty="0"/>
+              <a:t>    console.log(</a:t>
+            </a:r>
+            <a:r>
+              <a:rPr lang="en-US" dirty="0" err="1"/>
+              <a:t>event.target.innerText</a:t>
+            </a:r>
+            <a:r>
+              <a:rPr lang="en-US" dirty="0"/>
+              <a:t>)</a:t>
+            </a:r>
+          </a:p>
+          <a:p>
+            <a:pPr marL="274320" lvl="1" indent="0">
+              <a:buNone/>
+            </a:pPr>
+            <a:r>
+              <a:rPr lang="en-US" dirty="0"/>
+              <a:t>  })</a:t>
+            </a:r>
+          </a:p>
+          <a:p>
+            <a:pPr marL="274320" lvl="1" indent="0">
+              <a:buNone/>
+            </a:pPr>
+            <a:r>
+              <a:rPr lang="en-US" dirty="0"/>
+              <a:t>})</a:t>
+            </a:r>
+          </a:p>
+          <a:p>
+            <a:pPr marL="274320" lvl="1" indent="0">
+              <a:buNone/>
+            </a:pPr>
+            <a:r>
+              <a:rPr lang="en-US" dirty="0"/>
+              <a:t>I'm using </a:t>
+            </a:r>
+            <a:r>
+              <a:rPr lang="en-US" dirty="0" err="1"/>
+              <a:t>querySelectorAll</a:t>
+            </a:r>
+            <a:r>
+              <a:rPr lang="en-US" dirty="0"/>
+              <a:t> here as it returns a </a:t>
+            </a:r>
+            <a:r>
+              <a:rPr lang="en-US" dirty="0" err="1"/>
+              <a:t>NodeList</a:t>
+            </a:r>
+            <a:r>
+              <a:rPr lang="en-US" dirty="0"/>
+              <a:t> which I can use the </a:t>
+            </a:r>
+            <a:r>
+              <a:rPr lang="en-US" dirty="0" err="1"/>
+              <a:t>forEach</a:t>
+            </a:r>
+            <a:r>
+              <a:rPr lang="en-US" dirty="0"/>
+              <a:t> method for. </a:t>
+            </a:r>
+            <a:r>
+              <a:rPr lang="en-US" dirty="0" err="1"/>
+              <a:t>getElementsByTagName</a:t>
+            </a:r>
+            <a:r>
+              <a:rPr lang="en-US" dirty="0"/>
+              <a:t> returns an </a:t>
+            </a:r>
+            <a:r>
+              <a:rPr lang="en-US" dirty="0" err="1"/>
+              <a:t>HTMLCollection</a:t>
+            </a:r>
+            <a:r>
+              <a:rPr lang="en-US" dirty="0"/>
+              <a:t> which doesn't have the </a:t>
+            </a:r>
+            <a:r>
+              <a:rPr lang="en-US" dirty="0" err="1"/>
+              <a:t>forEach</a:t>
+            </a:r>
+            <a:r>
+              <a:rPr lang="en-US" dirty="0"/>
+              <a:t> method.</a:t>
+            </a:r>
+          </a:p>
+          <a:p>
+            <a:pPr marL="45720" indent="0">
+              <a:buNone/>
+            </a:pPr>
+            <a:r>
+              <a:rPr lang="en-US" dirty="0"/>
+              <a:t>When you click on the first button, you have "Button 1" logged on the console. For the second button, "Button 2" is logged, and for the third button, "Button 3" is logged.</a:t>
+            </a:r>
+          </a:p>
+          <a:p>
+            <a:pPr marL="45720" indent="0">
+              <a:buNone/>
+            </a:pPr>
+            <a:r>
+              <a:rPr lang="en-US" dirty="0"/>
+              <a:t>Although this works as we want, we have created three event listeners for the three buttons.</a:t>
+            </a:r>
+            <a:endParaRPr lang="en-IN" dirty="0"/>
           </a:p>
         </p:txBody>
       </p:sp>
@@ -4068,31 +5941,6 @@
       </p:grpSpPr>
       <p:sp>
         <p:nvSpPr>
-          <p:cNvPr id="2" name="Title 1">
-            <a:extLst>
-              <a:ext uri="{FF2B5EF4-FFF2-40B4-BE49-F238E27FC236}">
-                <a16:creationId xmlns:a16="http://schemas.microsoft.com/office/drawing/2014/main" id="{85F684CC-4A6D-703E-FF68-063796870AA2}"/>
-              </a:ext>
-            </a:extLst>
-          </p:cNvPr>
-          <p:cNvSpPr>
-            <a:spLocks noGrp="1"/>
-          </p:cNvSpPr>
-          <p:nvPr>
-            <p:ph type="title"/>
-          </p:nvPr>
-        </p:nvSpPr>
-        <p:spPr/>
-        <p:txBody>
-          <a:bodyPr/>
-          <a:lstStyle/>
-          <a:p>
-            <a:endParaRPr lang="en-IN"/>
-          </a:p>
-        </p:txBody>
-      </p:sp>
-      <p:sp>
-        <p:nvSpPr>
           <p:cNvPr id="3" name="Content Placeholder 2">
             <a:extLst>
               <a:ext uri="{FF2B5EF4-FFF2-40B4-BE49-F238E27FC236}">
@@ -4107,12 +5955,198 @@
             <p:ph idx="1"/>
           </p:nvPr>
         </p:nvSpPr>
-        <p:spPr/>
-        <p:txBody>
-          <a:bodyPr/>
+        <p:spPr>
+          <a:xfrm>
+            <a:off x="1143000" y="612948"/>
+            <a:ext cx="9872871" cy="5483051"/>
+          </a:xfrm>
+        </p:spPr>
+        <p:txBody>
+          <a:bodyPr>
+            <a:normAutofit fontScale="77500" lnSpcReduction="20000"/>
+          </a:bodyPr>
           <a:lstStyle/>
           <a:p>
-            <a:endParaRPr lang="en-IN"/>
+            <a:pPr marL="45720" indent="0">
+              <a:buNone/>
+            </a:pPr>
+            <a:r>
+              <a:rPr lang="en-US" dirty="0"/>
+              <a:t>Since the click event on these buttons propagates upward in the DOM tree, we can use a common parent or ancestor that they have to handle the event. In this case, we delegate a common parent that they share to handle the logic we want.</a:t>
+            </a:r>
+          </a:p>
+          <a:p>
+            <a:pPr marL="45720" indent="0">
+              <a:buNone/>
+            </a:pPr>
+            <a:r>
+              <a:rPr lang="en-US" dirty="0"/>
+              <a:t>Here's how:</a:t>
+            </a:r>
+          </a:p>
+          <a:p>
+            <a:pPr marL="274320" lvl="1" indent="0">
+              <a:buNone/>
+            </a:pPr>
+            <a:r>
+              <a:rPr lang="en-US" dirty="0"/>
+              <a:t>const div = </a:t>
+            </a:r>
+            <a:r>
+              <a:rPr lang="en-US" dirty="0" err="1"/>
+              <a:t>document.querySelector</a:t>
+            </a:r>
+            <a:r>
+              <a:rPr lang="en-US" dirty="0"/>
+              <a:t>('div')</a:t>
+            </a:r>
+          </a:p>
+          <a:p>
+            <a:pPr marL="274320" lvl="1" indent="0">
+              <a:buNone/>
+            </a:pPr>
+            <a:r>
+              <a:rPr lang="en-US" dirty="0" err="1"/>
+              <a:t>div.addEventListener</a:t>
+            </a:r>
+            <a:r>
+              <a:rPr lang="en-US" dirty="0"/>
+              <a:t>("click", (event) =&gt; {</a:t>
+            </a:r>
+          </a:p>
+          <a:p>
+            <a:pPr marL="274320" lvl="1" indent="0">
+              <a:buNone/>
+            </a:pPr>
+            <a:r>
+              <a:rPr lang="en-US" dirty="0"/>
+              <a:t>  if(</a:t>
+            </a:r>
+            <a:r>
+              <a:rPr lang="en-US" dirty="0" err="1"/>
+              <a:t>event.target.tagName</a:t>
+            </a:r>
+            <a:r>
+              <a:rPr lang="en-US" dirty="0"/>
+              <a:t> === 'BUTTON') {</a:t>
+            </a:r>
+          </a:p>
+          <a:p>
+            <a:pPr marL="274320" lvl="1" indent="0">
+              <a:buNone/>
+            </a:pPr>
+            <a:r>
+              <a:rPr lang="en-US" dirty="0"/>
+              <a:t>    console.log(</a:t>
+            </a:r>
+            <a:r>
+              <a:rPr lang="en-US" dirty="0" err="1"/>
+              <a:t>event.target.innerText</a:t>
+            </a:r>
+            <a:r>
+              <a:rPr lang="en-US" dirty="0"/>
+              <a:t>)</a:t>
+            </a:r>
+          </a:p>
+          <a:p>
+            <a:pPr marL="274320" lvl="1" indent="0">
+              <a:buNone/>
+            </a:pPr>
+            <a:r>
+              <a:rPr lang="en-US" dirty="0"/>
+              <a:t>  }</a:t>
+            </a:r>
+          </a:p>
+          <a:p>
+            <a:pPr marL="274320" lvl="1" indent="0">
+              <a:buNone/>
+            </a:pPr>
+            <a:r>
+              <a:rPr lang="en-US" dirty="0"/>
+              <a:t>})</a:t>
+            </a:r>
+          </a:p>
+          <a:p>
+            <a:pPr marL="45720" indent="0">
+              <a:buNone/>
+            </a:pPr>
+            <a:r>
+              <a:rPr lang="en-US" dirty="0"/>
+              <a:t>Now, we have just one event listener, but the same logic: when you click the first button, "Button 1" is logged to the console, and the same thing for the other buttons.</a:t>
+            </a:r>
+          </a:p>
+          <a:p>
+            <a:pPr marL="45720" indent="0">
+              <a:buNone/>
+            </a:pPr>
+            <a:r>
+              <a:rPr lang="en-US" dirty="0"/>
+              <a:t>Even if we add an extra button like this:</a:t>
+            </a:r>
+          </a:p>
+          <a:p>
+            <a:pPr marL="274320" lvl="1" indent="0">
+              <a:buNone/>
+            </a:pPr>
+            <a:r>
+              <a:rPr lang="en-US" dirty="0"/>
+              <a:t>&lt;div&gt;</a:t>
+            </a:r>
+          </a:p>
+          <a:p>
+            <a:pPr marL="274320" lvl="1" indent="0">
+              <a:buNone/>
+            </a:pPr>
+            <a:r>
+              <a:rPr lang="en-US" dirty="0"/>
+              <a:t>  &lt;button&gt;Button 1&lt;/button&gt;</a:t>
+            </a:r>
+          </a:p>
+          <a:p>
+            <a:pPr marL="274320" lvl="1" indent="0">
+              <a:buNone/>
+            </a:pPr>
+            <a:r>
+              <a:rPr lang="en-US" dirty="0"/>
+              <a:t>  &lt;button&gt;Button 2&lt;/button&gt;</a:t>
+            </a:r>
+          </a:p>
+          <a:p>
+            <a:pPr marL="274320" lvl="1" indent="0">
+              <a:buNone/>
+            </a:pPr>
+            <a:r>
+              <a:rPr lang="en-US" dirty="0"/>
+              <a:t>  &lt;button&gt;Button 3&lt;/button&gt;</a:t>
+            </a:r>
+          </a:p>
+          <a:p>
+            <a:pPr marL="274320" lvl="1" indent="0">
+              <a:buNone/>
+            </a:pPr>
+            <a:r>
+              <a:rPr lang="en-US" dirty="0"/>
+              <a:t>  &lt;button&gt;Button 4&lt;/button&gt;</a:t>
+            </a:r>
+          </a:p>
+          <a:p>
+            <a:pPr marL="274320" lvl="1" indent="0">
+              <a:buNone/>
+            </a:pPr>
+            <a:r>
+              <a:rPr lang="en-US" dirty="0"/>
+              <a:t>&lt;/div&gt;</a:t>
+            </a:r>
+          </a:p>
+          <a:p>
+            <a:pPr marL="45720" indent="0">
+              <a:buNone/>
+            </a:pPr>
+            <a:r>
+              <a:rPr lang="en-US" dirty="0"/>
+              <a:t>We won't have to change the JavaScript code as this new button also shares the div parent (which we delegated for the event handling) with the other buttons.</a:t>
+            </a:r>
+            <a:endParaRPr lang="en-IN" dirty="0"/>
           </a:p>
         </p:txBody>
       </p:sp>
@@ -4167,7 +6201,14 @@
           <a:bodyPr/>
           <a:lstStyle/>
           <a:p>
-            <a:endParaRPr lang="en-IN"/>
+            <a:r>
+              <a:rPr lang="en-US" b="1" i="0" dirty="0">
+                <a:effectLst/>
+                <a:latin typeface="-apple-system"/>
+              </a:rPr>
+              <a:t>Wrapping Up</a:t>
+            </a:r>
+            <a:endParaRPr lang="en-IN" dirty="0"/>
           </a:p>
         </p:txBody>
       </p:sp>
@@ -4192,7 +6233,33 @@
           <a:bodyPr/>
           <a:lstStyle/>
           <a:p>
-            <a:endParaRPr lang="en-IN"/>
+            <a:pPr algn="l" fontAlgn="base"/>
+            <a:r>
+              <a:rPr lang="en-US" b="0" i="0" dirty="0">
+                <a:solidFill>
+                  <a:srgbClr val="0A0A23"/>
+                </a:solidFill>
+                <a:effectLst/>
+                <a:latin typeface="Lato" panose="020F0502020204030203" pitchFamily="34" charset="0"/>
+              </a:rPr>
+              <a:t>With event delegation, you create fewer event listeners and perform similar events-based logic in one place. This makes it easier for you to add and remove elements without having to add new or remove existing event listeners.</a:t>
+            </a:r>
+          </a:p>
+          <a:p>
+            <a:pPr algn="l" fontAlgn="base"/>
+            <a:r>
+              <a:rPr lang="en-US" b="0" i="0" dirty="0">
+                <a:solidFill>
+                  <a:srgbClr val="0A0A23"/>
+                </a:solidFill>
+                <a:effectLst/>
+                <a:latin typeface="Lato" panose="020F0502020204030203" pitchFamily="34" charset="0"/>
+              </a:rPr>
+              <a:t>Event delegation is possible because of event propagation in the DOM, where the event a child element receives is also passed to the child's parent and ancestors</a:t>
+            </a:r>
+          </a:p>
+          <a:p>
+            <a:endParaRPr lang="en-IN" dirty="0"/>
           </a:p>
         </p:txBody>
       </p:sp>
@@ -5284,12 +7351,39 @@
             <p:ph type="title"/>
           </p:nvPr>
         </p:nvSpPr>
-        <p:spPr/>
-        <p:txBody>
-          <a:bodyPr/>
+        <p:spPr>
+          <a:xfrm>
+            <a:off x="472273" y="609600"/>
+            <a:ext cx="11163718" cy="676589"/>
+          </a:xfrm>
+        </p:spPr>
+        <p:txBody>
+          <a:bodyPr>
+            <a:noAutofit/>
+          </a:bodyPr>
           <a:lstStyle/>
           <a:p>
-            <a:endParaRPr lang="en-IN"/>
+            <a:r>
+              <a:rPr lang="en-US" sz="2400" dirty="0"/>
+              <a:t>Example 1: This example describes the </a:t>
+            </a:r>
+            <a:r>
+              <a:rPr lang="en-US" sz="2400" dirty="0" err="1"/>
+              <a:t>getElementById</a:t>
+            </a:r>
+            <a:r>
+              <a:rPr lang="en-US" sz="2400" dirty="0"/>
+              <a:t>() method where </a:t>
+            </a:r>
+            <a:r>
+              <a:rPr lang="en-US" sz="2400" dirty="0" err="1"/>
+              <a:t>element_id</a:t>
+            </a:r>
+            <a:r>
+              <a:rPr lang="en-US" sz="2400" dirty="0"/>
+              <a:t> is used to change the color of the text on clicking the button.</a:t>
+            </a:r>
+            <a:endParaRPr lang="en-IN" sz="2400" dirty="0"/>
           </a:p>
         </p:txBody>
       </p:sp>
@@ -5309,12 +7403,271 @@
             <p:ph idx="1"/>
           </p:nvPr>
         </p:nvSpPr>
-        <p:spPr/>
-        <p:txBody>
-          <a:bodyPr/>
+        <p:spPr>
+          <a:xfrm>
+            <a:off x="472273" y="1828800"/>
+            <a:ext cx="11163717" cy="4267200"/>
+          </a:xfrm>
+        </p:spPr>
+        <p:txBody>
+          <a:bodyPr numCol="2">
+            <a:normAutofit fontScale="77500" lnSpcReduction="20000"/>
+          </a:bodyPr>
           <a:lstStyle/>
           <a:p>
-            <a:endParaRPr lang="en-IN"/>
+            <a:pPr marL="45720" indent="0">
+              <a:buNone/>
+            </a:pPr>
+            <a:r>
+              <a:rPr lang="en-IN" dirty="0"/>
+              <a:t>&lt;!DOCTYPE html&gt;</a:t>
+            </a:r>
+          </a:p>
+          <a:p>
+            <a:pPr marL="45720" indent="0">
+              <a:buNone/>
+            </a:pPr>
+            <a:r>
+              <a:rPr lang="en-IN" dirty="0"/>
+              <a:t>&lt;html&gt;</a:t>
+            </a:r>
+          </a:p>
+          <a:p>
+            <a:pPr marL="45720" indent="0">
+              <a:buNone/>
+            </a:pPr>
+            <a:r>
+              <a:rPr lang="en-IN" dirty="0"/>
+              <a:t>&lt;head&gt;</a:t>
+            </a:r>
+          </a:p>
+          <a:p>
+            <a:pPr marL="45720" indent="0">
+              <a:buNone/>
+            </a:pPr>
+            <a:r>
+              <a:rPr lang="en-IN" dirty="0"/>
+              <a:t>    &lt;title&gt;</a:t>
+            </a:r>
+          </a:p>
+          <a:p>
+            <a:pPr marL="45720" indent="0">
+              <a:buNone/>
+            </a:pPr>
+            <a:r>
+              <a:rPr lang="en-IN" dirty="0"/>
+              <a:t>        DOM </a:t>
+            </a:r>
+            <a:r>
+              <a:rPr lang="en-IN" dirty="0" err="1"/>
+              <a:t>getElementById</a:t>
+            </a:r>
+            <a:r>
+              <a:rPr lang="en-IN" dirty="0"/>
+              <a:t>() Method</a:t>
+            </a:r>
+          </a:p>
+          <a:p>
+            <a:pPr marL="45720" indent="0">
+              <a:buNone/>
+            </a:pPr>
+            <a:r>
+              <a:rPr lang="en-IN" dirty="0"/>
+              <a:t>    &lt;/title&gt;</a:t>
+            </a:r>
+          </a:p>
+          <a:p>
+            <a:pPr marL="45720" indent="0">
+              <a:buNone/>
+            </a:pPr>
+            <a:r>
+              <a:rPr lang="en-IN" dirty="0"/>
+              <a:t>    &lt;script&gt;</a:t>
+            </a:r>
+          </a:p>
+          <a:p>
+            <a:pPr marL="45720" indent="0">
+              <a:buNone/>
+            </a:pPr>
+            <a:r>
+              <a:rPr lang="en-IN" dirty="0"/>
+              <a:t>        // Function to change the color of element</a:t>
+            </a:r>
+          </a:p>
+          <a:p>
+            <a:pPr marL="45720" indent="0">
+              <a:buNone/>
+            </a:pPr>
+            <a:r>
+              <a:rPr lang="en-IN" dirty="0"/>
+              <a:t>        function geeks() {</a:t>
+            </a:r>
+          </a:p>
+          <a:p>
+            <a:pPr marL="45720" indent="0">
+              <a:buNone/>
+            </a:pPr>
+            <a:r>
+              <a:rPr lang="en-IN" dirty="0"/>
+              <a:t>            var demo = </a:t>
+            </a:r>
+            <a:r>
+              <a:rPr lang="en-IN" dirty="0" err="1"/>
+              <a:t>document.getElementById</a:t>
+            </a:r>
+            <a:r>
+              <a:rPr lang="en-IN" dirty="0"/>
+              <a:t>("geeks");</a:t>
+            </a:r>
+          </a:p>
+          <a:p>
+            <a:pPr marL="45720" indent="0">
+              <a:buNone/>
+            </a:pPr>
+            <a:r>
+              <a:rPr lang="en-IN" dirty="0"/>
+              <a:t>            </a:t>
+            </a:r>
+            <a:r>
+              <a:rPr lang="en-IN" dirty="0" err="1"/>
+              <a:t>demo.style.color</a:t>
+            </a:r>
+            <a:r>
+              <a:rPr lang="en-IN" dirty="0"/>
+              <a:t> = "green";</a:t>
+            </a:r>
+          </a:p>
+          <a:p>
+            <a:pPr marL="45720" indent="0">
+              <a:buNone/>
+            </a:pPr>
+            <a:r>
+              <a:rPr lang="en-IN" dirty="0"/>
+              <a:t>        }</a:t>
+            </a:r>
+          </a:p>
+          <a:p>
+            <a:pPr marL="45720" indent="0">
+              <a:buNone/>
+            </a:pPr>
+            <a:r>
+              <a:rPr lang="en-IN" dirty="0"/>
+              <a:t>    &lt;/script&gt;</a:t>
+            </a:r>
+          </a:p>
+          <a:p>
+            <a:pPr marL="45720" indent="0">
+              <a:buNone/>
+            </a:pPr>
+            <a:r>
+              <a:rPr lang="en-IN" dirty="0"/>
+              <a:t>&lt;/head&gt;</a:t>
+            </a:r>
+          </a:p>
+          <a:p>
+            <a:pPr marL="45720" indent="0">
+              <a:buNone/>
+            </a:pPr>
+            <a:r>
+              <a:rPr lang="en-IN" dirty="0"/>
+              <a:t>&lt;body style="</a:t>
+            </a:r>
+            <a:r>
+              <a:rPr lang="en-IN" dirty="0" err="1"/>
+              <a:t>text-align:center</a:t>
+            </a:r>
+            <a:r>
+              <a:rPr lang="en-IN" dirty="0"/>
+              <a:t>"&gt;</a:t>
+            </a:r>
+          </a:p>
+          <a:p>
+            <a:pPr marL="45720" indent="0">
+              <a:buNone/>
+            </a:pPr>
+            <a:r>
+              <a:rPr lang="en-IN" dirty="0"/>
+              <a:t>    &lt;h1 id="geeks"&gt;</a:t>
+            </a:r>
+            <a:r>
+              <a:rPr lang="en-IN" dirty="0" err="1"/>
+              <a:t>GeeksforGeeks</a:t>
+            </a:r>
+            <a:r>
+              <a:rPr lang="en-IN" dirty="0"/>
+              <a:t>&lt;/h1&gt;</a:t>
+            </a:r>
+          </a:p>
+          <a:p>
+            <a:pPr marL="45720" indent="0">
+              <a:buNone/>
+            </a:pPr>
+            <a:r>
+              <a:rPr lang="en-IN" dirty="0"/>
+              <a:t>    &lt;h2&gt;DOM </a:t>
+            </a:r>
+            <a:r>
+              <a:rPr lang="en-IN" dirty="0" err="1"/>
+              <a:t>getElementById</a:t>
+            </a:r>
+            <a:r>
+              <a:rPr lang="en-IN" dirty="0"/>
+              <a:t>() Method&lt;/h2&gt;</a:t>
+            </a:r>
+          </a:p>
+          <a:p>
+            <a:pPr marL="45720" indent="0">
+              <a:buNone/>
+            </a:pPr>
+            <a:r>
+              <a:rPr lang="en-IN" dirty="0"/>
+              <a:t>    &lt;!-- Click on the button to change color --&gt;</a:t>
+            </a:r>
+          </a:p>
+          <a:p>
+            <a:pPr marL="45720" indent="0">
+              <a:buNone/>
+            </a:pPr>
+            <a:r>
+              <a:rPr lang="en-IN" dirty="0"/>
+              <a:t>    &lt;input type="button" </a:t>
+            </a:r>
+          </a:p>
+          <a:p>
+            <a:pPr marL="45720" indent="0">
+              <a:buNone/>
+            </a:pPr>
+            <a:r>
+              <a:rPr lang="en-IN" dirty="0"/>
+              <a:t>           onclick="geeks()" </a:t>
+            </a:r>
+          </a:p>
+          <a:p>
+            <a:pPr marL="45720" indent="0">
+              <a:buNone/>
+            </a:pPr>
+            <a:r>
+              <a:rPr lang="en-IN" dirty="0"/>
+              <a:t>           value="Click here to change color" /&gt;</a:t>
+            </a:r>
+          </a:p>
+          <a:p>
+            <a:pPr marL="45720" indent="0">
+              <a:buNone/>
+            </a:pPr>
+            <a:r>
+              <a:rPr lang="en-IN" dirty="0"/>
+              <a:t>&lt;/body&gt;</a:t>
+            </a:r>
+          </a:p>
+          <a:p>
+            <a:pPr marL="45720" indent="0">
+              <a:buNone/>
+            </a:pPr>
+            <a:r>
+              <a:rPr lang="en-IN" dirty="0"/>
+              <a:t>&lt;/html&gt;</a:t>
+            </a:r>
           </a:p>
         </p:txBody>
       </p:sp>
@@ -5364,12 +7717,39 @@
             <p:ph type="title"/>
           </p:nvPr>
         </p:nvSpPr>
-        <p:spPr/>
-        <p:txBody>
-          <a:bodyPr/>
+        <p:spPr>
+          <a:xfrm>
+            <a:off x="582804" y="609600"/>
+            <a:ext cx="11063236" cy="726831"/>
+          </a:xfrm>
+        </p:spPr>
+        <p:txBody>
+          <a:bodyPr>
+            <a:noAutofit/>
+          </a:bodyPr>
           <a:lstStyle/>
           <a:p>
-            <a:endParaRPr lang="en-IN"/>
+            <a:r>
+              <a:rPr lang="en-US" sz="2800" dirty="0"/>
+              <a:t>Example 2: This example describes the </a:t>
+            </a:r>
+            <a:r>
+              <a:rPr lang="en-US" sz="2800" dirty="0" err="1"/>
+              <a:t>getElementById</a:t>
+            </a:r>
+            <a:r>
+              <a:rPr lang="en-US" sz="2800" dirty="0"/>
+              <a:t>() method where the </a:t>
+            </a:r>
+            <a:r>
+              <a:rPr lang="en-US" sz="2800" dirty="0" err="1"/>
+              <a:t>element_id</a:t>
+            </a:r>
+            <a:r>
+              <a:rPr lang="en-US" sz="2800" dirty="0"/>
+              <a:t> is used to change the content on clicking the button.</a:t>
+            </a:r>
+            <a:endParaRPr lang="en-IN" sz="2800" dirty="0"/>
           </a:p>
         </p:txBody>
       </p:sp>
@@ -5389,12 +7769,288 @@
             <p:ph idx="1"/>
           </p:nvPr>
         </p:nvSpPr>
-        <p:spPr/>
-        <p:txBody>
-          <a:bodyPr/>
+        <p:spPr>
+          <a:xfrm>
+            <a:off x="582804" y="1688123"/>
+            <a:ext cx="11063236" cy="4407877"/>
+          </a:xfrm>
+        </p:spPr>
+        <p:txBody>
+          <a:bodyPr numCol="2">
+            <a:normAutofit fontScale="77500" lnSpcReduction="20000"/>
+          </a:bodyPr>
           <a:lstStyle/>
           <a:p>
-            <a:endParaRPr lang="en-IN"/>
+            <a:pPr marL="45720" indent="0">
+              <a:buNone/>
+            </a:pPr>
+            <a:r>
+              <a:rPr lang="en-IN" dirty="0"/>
+              <a:t>&lt;!DOCTYPE html&gt;</a:t>
+            </a:r>
+          </a:p>
+          <a:p>
+            <a:pPr marL="45720" indent="0">
+              <a:buNone/>
+            </a:pPr>
+            <a:r>
+              <a:rPr lang="en-IN" dirty="0"/>
+              <a:t>&lt;html&gt;</a:t>
+            </a:r>
+          </a:p>
+          <a:p>
+            <a:pPr marL="45720" indent="0">
+              <a:buNone/>
+            </a:pPr>
+            <a:r>
+              <a:rPr lang="en-IN" dirty="0"/>
+              <a:t>&lt;head&gt;</a:t>
+            </a:r>
+          </a:p>
+          <a:p>
+            <a:pPr marL="45720" indent="0">
+              <a:buNone/>
+            </a:pPr>
+            <a:r>
+              <a:rPr lang="en-IN" dirty="0"/>
+              <a:t>    &lt;title&gt;</a:t>
+            </a:r>
+          </a:p>
+          <a:p>
+            <a:pPr marL="45720" indent="0">
+              <a:buNone/>
+            </a:pPr>
+            <a:r>
+              <a:rPr lang="en-IN" dirty="0"/>
+              <a:t>        DOM </a:t>
+            </a:r>
+            <a:r>
+              <a:rPr lang="en-IN" dirty="0" err="1"/>
+              <a:t>getElementById</a:t>
+            </a:r>
+            <a:r>
+              <a:rPr lang="en-IN" dirty="0"/>
+              <a:t>() Method</a:t>
+            </a:r>
+          </a:p>
+          <a:p>
+            <a:pPr marL="45720" indent="0">
+              <a:buNone/>
+            </a:pPr>
+            <a:r>
+              <a:rPr lang="en-IN" dirty="0"/>
+              <a:t>    &lt;/title&gt;</a:t>
+            </a:r>
+          </a:p>
+          <a:p>
+            <a:pPr marL="45720" indent="0">
+              <a:buNone/>
+            </a:pPr>
+            <a:r>
+              <a:rPr lang="en-IN" dirty="0"/>
+              <a:t>    &lt;script&gt;</a:t>
+            </a:r>
+          </a:p>
+          <a:p>
+            <a:pPr marL="45720" indent="0">
+              <a:buNone/>
+            </a:pPr>
+            <a:r>
+              <a:rPr lang="en-IN" dirty="0"/>
+              <a:t>        // Function to change content of element</a:t>
+            </a:r>
+          </a:p>
+          <a:p>
+            <a:pPr marL="45720" indent="0">
+              <a:buNone/>
+            </a:pPr>
+            <a:r>
+              <a:rPr lang="en-IN" dirty="0"/>
+              <a:t>        function geeks() {</a:t>
+            </a:r>
+          </a:p>
+          <a:p>
+            <a:pPr marL="45720" indent="0">
+              <a:buNone/>
+            </a:pPr>
+            <a:r>
+              <a:rPr lang="en-IN" dirty="0"/>
+              <a:t>            var demo = </a:t>
+            </a:r>
+            <a:r>
+              <a:rPr lang="en-IN" dirty="0" err="1"/>
+              <a:t>document.getElementById</a:t>
+            </a:r>
+            <a:r>
+              <a:rPr lang="en-IN" dirty="0"/>
+              <a:t>("geeks");</a:t>
+            </a:r>
+          </a:p>
+          <a:p>
+            <a:pPr marL="45720" indent="0">
+              <a:buNone/>
+            </a:pPr>
+            <a:r>
+              <a:rPr lang="en-IN" dirty="0"/>
+              <a:t>            </a:t>
+            </a:r>
+            <a:r>
+              <a:rPr lang="en-IN" dirty="0" err="1"/>
+              <a:t>demo.innerHTML</a:t>
+            </a:r>
+            <a:r>
+              <a:rPr lang="en-IN" dirty="0"/>
+              <a:t> = "Welcome to </a:t>
+            </a:r>
+            <a:r>
+              <a:rPr lang="en-IN" dirty="0" err="1"/>
+              <a:t>GeeksforGeeks</a:t>
+            </a:r>
+            <a:r>
+              <a:rPr lang="en-IN" dirty="0"/>
+              <a:t>!";</a:t>
+            </a:r>
+          </a:p>
+          <a:p>
+            <a:pPr marL="45720" indent="0">
+              <a:buNone/>
+            </a:pPr>
+            <a:r>
+              <a:rPr lang="en-IN" dirty="0"/>
+              <a:t>        }</a:t>
+            </a:r>
+          </a:p>
+          <a:p>
+            <a:pPr marL="45720" indent="0">
+              <a:buNone/>
+            </a:pPr>
+            <a:r>
+              <a:rPr lang="en-IN" dirty="0"/>
+              <a:t>    &lt;/script&gt;</a:t>
+            </a:r>
+          </a:p>
+          <a:p>
+            <a:pPr marL="45720" indent="0">
+              <a:buNone/>
+            </a:pPr>
+            <a:r>
+              <a:rPr lang="en-IN" dirty="0"/>
+              <a:t>&lt;/head&gt;</a:t>
+            </a:r>
+          </a:p>
+          <a:p>
+            <a:pPr marL="45720" indent="0">
+              <a:buNone/>
+            </a:pPr>
+            <a:r>
+              <a:rPr lang="en-IN" dirty="0"/>
+              <a:t>&lt;body style="</a:t>
+            </a:r>
+            <a:r>
+              <a:rPr lang="en-IN" dirty="0" err="1"/>
+              <a:t>text-align:center</a:t>
+            </a:r>
+            <a:r>
+              <a:rPr lang="en-IN" dirty="0"/>
+              <a:t>"&gt;</a:t>
+            </a:r>
+          </a:p>
+          <a:p>
+            <a:pPr marL="45720" indent="0">
+              <a:buNone/>
+            </a:pPr>
+            <a:r>
+              <a:rPr lang="en-IN" dirty="0"/>
+              <a:t>    &lt;h1&gt;</a:t>
+            </a:r>
+            <a:r>
+              <a:rPr lang="en-IN" dirty="0" err="1"/>
+              <a:t>GeeksforGeeks</a:t>
+            </a:r>
+            <a:r>
+              <a:rPr lang="en-IN" dirty="0"/>
+              <a:t>&lt;/h1&gt;</a:t>
+            </a:r>
+          </a:p>
+          <a:p>
+            <a:pPr marL="45720" indent="0">
+              <a:buNone/>
+            </a:pPr>
+            <a:r>
+              <a:rPr lang="en-IN" dirty="0"/>
+              <a:t>    &lt;h2&gt;DOM </a:t>
+            </a:r>
+            <a:r>
+              <a:rPr lang="en-IN" dirty="0" err="1"/>
+              <a:t>getElementById</a:t>
+            </a:r>
+            <a:r>
+              <a:rPr lang="en-IN" dirty="0"/>
+              <a:t>() Method&lt;/h2&gt;</a:t>
+            </a:r>
+          </a:p>
+          <a:p>
+            <a:pPr marL="45720" indent="0">
+              <a:buNone/>
+            </a:pPr>
+            <a:r>
+              <a:rPr lang="en-IN" dirty="0"/>
+              <a:t>    &lt;h3 id="geeks"&gt;Hello Geeks!&lt;/h3&gt;</a:t>
+            </a:r>
+          </a:p>
+          <a:p>
+            <a:pPr marL="45720" indent="0">
+              <a:buNone/>
+            </a:pPr>
+            <a:r>
+              <a:rPr lang="en-IN" dirty="0"/>
+              <a:t>    &lt;!-- Click here to change content --&gt;</a:t>
+            </a:r>
+          </a:p>
+          <a:p>
+            <a:pPr marL="45720" indent="0">
+              <a:buNone/>
+            </a:pPr>
+            <a:r>
+              <a:rPr lang="en-IN" dirty="0"/>
+              <a:t>    &lt;input type="button" </a:t>
+            </a:r>
+          </a:p>
+          <a:p>
+            <a:pPr marL="45720" indent="0">
+              <a:buNone/>
+            </a:pPr>
+            <a:r>
+              <a:rPr lang="en-IN" dirty="0"/>
+              <a:t>           onclick="geeks()" </a:t>
+            </a:r>
+          </a:p>
+          <a:p>
+            <a:pPr marL="45720" indent="0">
+              <a:buNone/>
+            </a:pPr>
+            <a:r>
+              <a:rPr lang="en-IN" dirty="0"/>
+              <a:t>           value="Click here to change content" /&gt;</a:t>
+            </a:r>
+          </a:p>
+          <a:p>
+            <a:pPr marL="45720" indent="0">
+              <a:buNone/>
+            </a:pPr>
+            <a:r>
+              <a:rPr lang="en-IN" dirty="0"/>
+              <a:t>&lt;/body&gt;</a:t>
+            </a:r>
+          </a:p>
+          <a:p>
+            <a:pPr marL="45720" indent="0">
+              <a:buNone/>
+            </a:pPr>
+            <a:r>
+              <a:rPr lang="en-IN" dirty="0"/>
+              <a:t>&lt;/html&gt;</a:t>
+            </a:r>
           </a:p>
         </p:txBody>
       </p:sp>
@@ -5449,7 +8105,18 @@
           <a:bodyPr/>
           <a:lstStyle/>
           <a:p>
-            <a:endParaRPr lang="en-IN"/>
+            <a:r>
+              <a:rPr lang="en-IN" dirty="0"/>
+              <a:t>DOM </a:t>
+            </a:r>
+            <a:r>
+              <a:rPr lang="en-IN" dirty="0" err="1"/>
+              <a:t>querySelectorAll</a:t>
+            </a:r>
+            <a:r>
+              <a:rPr lang="en-IN" dirty="0"/>
+              <a:t>() Method</a:t>
+            </a:r>
           </a:p>
         </p:txBody>
       </p:sp>
@@ -5471,10 +8138,83 @@
         </p:nvSpPr>
         <p:spPr/>
         <p:txBody>
-          <a:bodyPr/>
+          <a:bodyPr>
+            <a:normAutofit fontScale="92500" lnSpcReduction="10000"/>
+          </a:bodyPr>
           <a:lstStyle/>
           <a:p>
-            <a:endParaRPr lang="en-IN"/>
+            <a:r>
+              <a:rPr lang="en-US" dirty="0"/>
+              <a:t>The </a:t>
+            </a:r>
+            <a:r>
+              <a:rPr lang="en-US" dirty="0" err="1"/>
+              <a:t>querySelectorAll</a:t>
+            </a:r>
+            <a:r>
+              <a:rPr lang="en-US" dirty="0"/>
+              <a:t>() method in HTML is used to return a collection of an element’s child elements that match a specified CSS selector(s), as a static </a:t>
+            </a:r>
+            <a:r>
+              <a:rPr lang="en-US" dirty="0" err="1"/>
+              <a:t>NodeList</a:t>
+            </a:r>
+            <a:r>
+              <a:rPr lang="en-US" dirty="0"/>
+              <a:t> object. The </a:t>
+            </a:r>
+            <a:r>
+              <a:rPr lang="en-US" dirty="0" err="1"/>
+              <a:t>NodeList</a:t>
+            </a:r>
+            <a:r>
+              <a:rPr lang="en-US" dirty="0"/>
+              <a:t> object represents a collection of nodes. The nodes can be accessed by index numbers. The index starts at 0. </a:t>
+            </a:r>
+          </a:p>
+          <a:p>
+            <a:r>
+              <a:rPr lang="en-US" dirty="0"/>
+              <a:t>Note: If we want to apply CSS property to all the child nodes that match the specified selector, then we can just iterate through all nodes and apply that particular property.</a:t>
+            </a:r>
+          </a:p>
+          <a:p>
+            <a:r>
+              <a:rPr lang="en-US" dirty="0"/>
+              <a:t>Syntax: </a:t>
+            </a:r>
+          </a:p>
+          <a:p>
+            <a:pPr lvl="1"/>
+            <a:r>
+              <a:rPr lang="en-US" dirty="0" err="1"/>
+              <a:t>element.querySelectorAll</a:t>
+            </a:r>
+            <a:r>
+              <a:rPr lang="en-US" dirty="0"/>
+              <a:t>(selectors)</a:t>
+            </a:r>
+          </a:p>
+          <a:p>
+            <a:r>
+              <a:rPr lang="en-US" dirty="0"/>
+              <a:t>Selectors is the required field. It specifies one or more CSS selectors to match the </a:t>
+            </a:r>
+            <a:r>
+              <a:rPr lang="en-US" dirty="0" err="1"/>
+              <a:t>element.These</a:t>
+            </a:r>
+            <a:r>
+              <a:rPr lang="en-US" dirty="0"/>
+              <a:t> selectors are used to select HTML elements based on their id, classes, types, etc. </a:t>
+            </a:r>
+          </a:p>
+          <a:p>
+            <a:r>
+              <a:rPr lang="en-US" dirty="0"/>
+              <a:t>In case of multiple selectors, comma is used to separate each selector.</a:t>
+            </a:r>
+            <a:endParaRPr lang="en-IN" dirty="0"/>
           </a:p>
         </p:txBody>
       </p:sp>
@@ -5524,12 +8264,30 @@
             <p:ph type="title"/>
           </p:nvPr>
         </p:nvSpPr>
-        <p:spPr/>
-        <p:txBody>
-          <a:bodyPr/>
+        <p:spPr>
+          <a:xfrm>
+            <a:off x="1143000" y="609600"/>
+            <a:ext cx="9875520" cy="566057"/>
+          </a:xfrm>
+        </p:spPr>
+        <p:txBody>
+          <a:bodyPr>
+            <a:normAutofit fontScale="90000"/>
+          </a:bodyPr>
           <a:lstStyle/>
           <a:p>
-            <a:endParaRPr lang="en-IN"/>
+            <a:r>
+              <a:rPr lang="en-IN" dirty="0"/>
+              <a:t>DOM </a:t>
+            </a:r>
+            <a:r>
+              <a:rPr lang="en-IN" dirty="0" err="1"/>
+              <a:t>querySelectorAll</a:t>
+            </a:r>
+            <a:r>
+              <a:rPr lang="en-IN" dirty="0"/>
+              <a:t>() Method</a:t>
+            </a:r>
           </a:p>
         </p:txBody>
       </p:sp>
@@ -5549,12 +8307,431 @@
             <p:ph idx="1"/>
           </p:nvPr>
         </p:nvSpPr>
-        <p:spPr/>
-        <p:txBody>
-          <a:bodyPr/>
+        <p:spPr>
+          <a:xfrm>
+            <a:off x="1143000" y="1396721"/>
+            <a:ext cx="9872871" cy="4699279"/>
+          </a:xfrm>
+        </p:spPr>
+        <p:txBody>
+          <a:bodyPr numCol="2">
+            <a:normAutofit fontScale="47500" lnSpcReduction="20000"/>
+          </a:bodyPr>
           <a:lstStyle/>
           <a:p>
-            <a:endParaRPr lang="en-IN"/>
+            <a:pPr marL="45720" indent="0">
+              <a:buNone/>
+            </a:pPr>
+            <a:r>
+              <a:rPr lang="en-IN" dirty="0"/>
+              <a:t>&lt;!DOCTYPE html&gt;</a:t>
+            </a:r>
+          </a:p>
+          <a:p>
+            <a:pPr marL="45720" indent="0">
+              <a:buNone/>
+            </a:pPr>
+            <a:r>
+              <a:rPr lang="en-IN" dirty="0"/>
+              <a:t>&lt;html&gt;</a:t>
+            </a:r>
+          </a:p>
+          <a:p>
+            <a:pPr marL="45720" indent="0">
+              <a:buNone/>
+            </a:pPr>
+            <a:r>
+              <a:rPr lang="en-IN" dirty="0"/>
+              <a:t>    &lt;head&gt;</a:t>
+            </a:r>
+          </a:p>
+          <a:p>
+            <a:pPr marL="45720" indent="0">
+              <a:buNone/>
+            </a:pPr>
+            <a:r>
+              <a:rPr lang="en-IN" dirty="0"/>
+              <a:t>        &lt;title&gt;DOM </a:t>
+            </a:r>
+            <a:r>
+              <a:rPr lang="en-IN" dirty="0" err="1"/>
+              <a:t>querySelectorAll</a:t>
+            </a:r>
+            <a:r>
+              <a:rPr lang="en-IN" dirty="0"/>
+              <a:t>() Method&lt;/title&gt;</a:t>
+            </a:r>
+          </a:p>
+          <a:p>
+            <a:pPr marL="45720" indent="0">
+              <a:buNone/>
+            </a:pPr>
+            <a:r>
+              <a:rPr lang="en-IN" dirty="0"/>
+              <a:t>        &lt;style&gt;</a:t>
+            </a:r>
+          </a:p>
+          <a:p>
+            <a:pPr marL="45720" indent="0">
+              <a:buNone/>
+            </a:pPr>
+            <a:r>
+              <a:rPr lang="en-IN" dirty="0"/>
+              <a:t>            #geek {</a:t>
+            </a:r>
+          </a:p>
+          <a:p>
+            <a:pPr marL="45720" indent="0">
+              <a:buNone/>
+            </a:pPr>
+            <a:r>
+              <a:rPr lang="en-IN" dirty="0"/>
+              <a:t>              border: 1px solid black;</a:t>
+            </a:r>
+          </a:p>
+          <a:p>
+            <a:pPr marL="45720" indent="0">
+              <a:buNone/>
+            </a:pPr>
+            <a:r>
+              <a:rPr lang="en-IN" dirty="0"/>
+              <a:t>              margin: 5px;</a:t>
+            </a:r>
+          </a:p>
+          <a:p>
+            <a:pPr marL="45720" indent="0">
+              <a:buNone/>
+            </a:pPr>
+            <a:r>
+              <a:rPr lang="en-IN" dirty="0"/>
+              <a:t>            }</a:t>
+            </a:r>
+          </a:p>
+          <a:p>
+            <a:pPr marL="45720" indent="0">
+              <a:buNone/>
+            </a:pPr>
+            <a:r>
+              <a:rPr lang="en-IN" dirty="0"/>
+              <a:t>        &lt;/style&gt;</a:t>
+            </a:r>
+          </a:p>
+          <a:p>
+            <a:pPr marL="45720" indent="0">
+              <a:buNone/>
+            </a:pPr>
+            <a:r>
+              <a:rPr lang="en-IN" dirty="0"/>
+              <a:t>    &lt;/head&gt;</a:t>
+            </a:r>
+          </a:p>
+          <a:p>
+            <a:pPr marL="45720" indent="0">
+              <a:buNone/>
+            </a:pPr>
+            <a:r>
+              <a:rPr lang="en-IN" dirty="0"/>
+              <a:t>    &lt;body style = "text-align: </a:t>
+            </a:r>
+            <a:r>
+              <a:rPr lang="en-IN" dirty="0" err="1"/>
+              <a:t>center</a:t>
+            </a:r>
+            <a:r>
+              <a:rPr lang="en-IN" dirty="0"/>
+              <a:t>;"&gt;</a:t>
+            </a:r>
+          </a:p>
+          <a:p>
+            <a:pPr marL="45720" indent="0">
+              <a:buNone/>
+            </a:pPr>
+            <a:r>
+              <a:rPr lang="en-IN" dirty="0"/>
+              <a:t>        &lt;h1 style = "color: green;"&gt;</a:t>
+            </a:r>
+            <a:r>
+              <a:rPr lang="en-IN" dirty="0" err="1"/>
+              <a:t>GeeksforGeeks</a:t>
+            </a:r>
+            <a:r>
+              <a:rPr lang="en-IN" dirty="0"/>
+              <a:t>&lt;/h1&gt;</a:t>
+            </a:r>
+          </a:p>
+          <a:p>
+            <a:pPr marL="45720" indent="0">
+              <a:buNone/>
+            </a:pPr>
+            <a:r>
+              <a:rPr lang="en-IN" dirty="0"/>
+              <a:t>        &lt;h2&gt;</a:t>
+            </a:r>
+            <a:r>
+              <a:rPr lang="en-IN" dirty="0" err="1"/>
+              <a:t>querySelectorAll</a:t>
+            </a:r>
+            <a:r>
+              <a:rPr lang="en-IN" dirty="0"/>
+              <a:t>() Method&lt;/h2&gt;</a:t>
+            </a:r>
+          </a:p>
+          <a:p>
+            <a:pPr marL="45720" indent="0">
+              <a:buNone/>
+            </a:pPr>
+            <a:r>
+              <a:rPr lang="en-IN" dirty="0"/>
+              <a:t>        &lt;div id="geek"&gt;</a:t>
+            </a:r>
+          </a:p>
+          <a:p>
+            <a:pPr marL="45720" indent="0">
+              <a:buNone/>
+            </a:pPr>
+            <a:r>
+              <a:rPr lang="en-IN" dirty="0"/>
+              <a:t>&lt;p&gt;This is paragraph 1.&lt;/p&gt;</a:t>
+            </a:r>
+          </a:p>
+          <a:p>
+            <a:pPr marL="45720" indent="0">
+              <a:buNone/>
+            </a:pPr>
+            <a:r>
+              <a:rPr lang="en-IN" dirty="0"/>
+              <a:t>&lt;p&gt;This is paragraph 2.&lt;/p&gt;</a:t>
+            </a:r>
+          </a:p>
+          <a:p>
+            <a:pPr marL="45720" indent="0">
+              <a:buNone/>
+            </a:pPr>
+            <a:r>
+              <a:rPr lang="en-IN" dirty="0"/>
+              <a:t>        &lt;/div&gt;</a:t>
+            </a:r>
+          </a:p>
+          <a:p>
+            <a:pPr marL="45720" indent="0">
+              <a:buNone/>
+            </a:pPr>
+            <a:r>
+              <a:rPr lang="en-IN" dirty="0"/>
+              <a:t>        &lt;button onclick="</a:t>
+            </a:r>
+            <a:r>
+              <a:rPr lang="en-IN" dirty="0" err="1"/>
+              <a:t>myFunction</a:t>
+            </a:r>
+            <a:r>
+              <a:rPr lang="en-IN" dirty="0"/>
+              <a:t>()"&gt;Try it&lt;/button&gt;</a:t>
+            </a:r>
+          </a:p>
+          <a:p>
+            <a:pPr marL="45720" indent="0">
+              <a:buNone/>
+            </a:pPr>
+            <a:r>
+              <a:rPr lang="en-IN" dirty="0"/>
+              <a:t>        &lt;script&gt;</a:t>
+            </a:r>
+          </a:p>
+          <a:p>
+            <a:pPr marL="45720" indent="0">
+              <a:buNone/>
+            </a:pPr>
+            <a:r>
+              <a:rPr lang="en-IN" dirty="0"/>
+              <a:t>            function </a:t>
+            </a:r>
+            <a:r>
+              <a:rPr lang="en-IN" dirty="0" err="1"/>
+              <a:t>myFunction</a:t>
+            </a:r>
+            <a:r>
+              <a:rPr lang="en-IN" dirty="0"/>
+              <a:t>() {</a:t>
+            </a:r>
+          </a:p>
+          <a:p>
+            <a:pPr marL="45720" indent="0">
+              <a:buNone/>
+            </a:pPr>
+            <a:r>
+              <a:rPr lang="en-IN" dirty="0"/>
+              <a:t>                var x = </a:t>
+            </a:r>
+            <a:r>
+              <a:rPr lang="en-IN" dirty="0" err="1"/>
+              <a:t>document.getElementById</a:t>
+            </a:r>
+            <a:r>
+              <a:rPr lang="en-IN" dirty="0"/>
+              <a:t>("geek").</a:t>
+            </a:r>
+            <a:r>
+              <a:rPr lang="en-IN" dirty="0" err="1"/>
+              <a:t>querySelectorAll</a:t>
+            </a:r>
+            <a:r>
+              <a:rPr lang="en-IN" dirty="0"/>
+              <a:t>("p");</a:t>
+            </a:r>
+          </a:p>
+          <a:p>
+            <a:pPr marL="45720" indent="0">
+              <a:buNone/>
+            </a:pPr>
+            <a:r>
+              <a:rPr lang="en-IN" dirty="0"/>
+              <a:t>                var </a:t>
+            </a:r>
+            <a:r>
+              <a:rPr lang="en-IN" dirty="0" err="1"/>
+              <a:t>i</a:t>
+            </a:r>
+            <a:r>
+              <a:rPr lang="en-IN" dirty="0"/>
+              <a:t>;</a:t>
+            </a:r>
+          </a:p>
+          <a:p>
+            <a:pPr marL="45720" indent="0">
+              <a:buNone/>
+            </a:pPr>
+            <a:r>
+              <a:rPr lang="en-IN" dirty="0"/>
+              <a:t>                for (</a:t>
+            </a:r>
+            <a:r>
+              <a:rPr lang="en-IN" dirty="0" err="1"/>
+              <a:t>i</a:t>
+            </a:r>
+            <a:r>
+              <a:rPr lang="en-IN" dirty="0"/>
+              <a:t> = 0; </a:t>
+            </a:r>
+            <a:r>
+              <a:rPr lang="en-IN" dirty="0" err="1"/>
+              <a:t>i</a:t>
+            </a:r>
+            <a:r>
+              <a:rPr lang="en-IN" dirty="0"/>
+              <a:t> &lt; </a:t>
+            </a:r>
+            <a:r>
+              <a:rPr lang="en-IN" dirty="0" err="1"/>
+              <a:t>x.length</a:t>
+            </a:r>
+            <a:r>
+              <a:rPr lang="en-IN" dirty="0"/>
+              <a:t>; </a:t>
+            </a:r>
+            <a:r>
+              <a:rPr lang="en-IN" dirty="0" err="1"/>
+              <a:t>i</a:t>
+            </a:r>
+            <a:r>
+              <a:rPr lang="en-IN" dirty="0"/>
+              <a:t>++) {</a:t>
+            </a:r>
+          </a:p>
+          <a:p>
+            <a:pPr marL="45720" indent="0">
+              <a:buNone/>
+            </a:pPr>
+            <a:r>
+              <a:rPr lang="en-IN" dirty="0"/>
+              <a:t>                x[</a:t>
+            </a:r>
+            <a:r>
+              <a:rPr lang="en-IN" dirty="0" err="1"/>
+              <a:t>i</a:t>
+            </a:r>
+            <a:r>
+              <a:rPr lang="en-IN" dirty="0"/>
+              <a:t>].</a:t>
+            </a:r>
+            <a:r>
+              <a:rPr lang="en-IN" dirty="0" err="1"/>
+              <a:t>style.backgroundColor</a:t>
+            </a:r>
+            <a:r>
+              <a:rPr lang="en-IN" dirty="0"/>
+              <a:t> = "green";</a:t>
+            </a:r>
+          </a:p>
+          <a:p>
+            <a:pPr marL="45720" indent="0">
+              <a:buNone/>
+            </a:pPr>
+            <a:r>
+              <a:rPr lang="en-IN" dirty="0"/>
+              <a:t>                x[</a:t>
+            </a:r>
+            <a:r>
+              <a:rPr lang="en-IN" dirty="0" err="1"/>
+              <a:t>i</a:t>
+            </a:r>
+            <a:r>
+              <a:rPr lang="en-IN" dirty="0"/>
+              <a:t>].</a:t>
+            </a:r>
+            <a:r>
+              <a:rPr lang="en-IN" dirty="0" err="1"/>
+              <a:t>style.color</a:t>
+            </a:r>
+            <a:r>
+              <a:rPr lang="en-IN" dirty="0"/>
+              <a:t> = "white";</a:t>
+            </a:r>
+          </a:p>
+          <a:p>
+            <a:pPr marL="45720" indent="0">
+              <a:buNone/>
+            </a:pPr>
+            <a:r>
+              <a:rPr lang="en-IN" dirty="0"/>
+              <a:t>                }</a:t>
+            </a:r>
+          </a:p>
+          <a:p>
+            <a:pPr marL="45720" indent="0">
+              <a:buNone/>
+            </a:pPr>
+            <a:r>
+              <a:rPr lang="en-IN" dirty="0"/>
+              <a:t>            }</a:t>
+            </a:r>
+          </a:p>
+          <a:p>
+            <a:pPr marL="45720" indent="0">
+              <a:buNone/>
+            </a:pPr>
+            <a:r>
+              <a:rPr lang="en-IN" dirty="0"/>
+              <a:t>        &lt;/script&gt;</a:t>
+            </a:r>
+          </a:p>
+          <a:p>
+            <a:pPr marL="45720" indent="0">
+              <a:buNone/>
+            </a:pPr>
+            <a:r>
+              <a:rPr lang="en-IN" dirty="0"/>
+              <a:t>    &lt;/body&gt;</a:t>
+            </a:r>
+          </a:p>
+          <a:p>
+            <a:pPr marL="45720" indent="0">
+              <a:buNone/>
+            </a:pPr>
+            <a:r>
+              <a:rPr lang="en-IN" dirty="0"/>
+              <a:t>&lt;/html&gt;</a:t>
+            </a:r>
           </a:p>
         </p:txBody>
       </p:sp>
@@ -5609,7 +8786,10 @@
           <a:bodyPr/>
           <a:lstStyle/>
           <a:p>
-            <a:endParaRPr lang="en-IN"/>
+            <a:r>
+              <a:rPr lang="en-IN" dirty="0"/>
+              <a:t>Event Listener</a:t>
+            </a:r>
           </a:p>
         </p:txBody>
       </p:sp>
@@ -5631,10 +8811,126 @@
         </p:nvSpPr>
         <p:spPr/>
         <p:txBody>
-          <a:bodyPr/>
+          <a:bodyPr>
+            <a:normAutofit fontScale="85000" lnSpcReduction="20000"/>
+          </a:bodyPr>
           <a:lstStyle/>
           <a:p>
-            <a:endParaRPr lang="en-IN"/>
+            <a:r>
+              <a:rPr lang="en-US" dirty="0"/>
+              <a:t>An event is an important part of </a:t>
+            </a:r>
+            <a:r>
+              <a:rPr lang="en-US" dirty="0" err="1"/>
+              <a:t>JavaScript.A</a:t>
+            </a:r>
+            <a:r>
+              <a:rPr lang="en-US" dirty="0"/>
+              <a:t> web page respond according to an event occurred. Some events are user generated and some are generated by API’s. An event listener is a procedure in JavaScript that waits for an event to occur. The simple example of an event is a user clicking the mouse or pressing a key on the keyboard.</a:t>
+            </a:r>
+          </a:p>
+          <a:p>
+            <a:r>
+              <a:rPr lang="en-US" dirty="0"/>
+              <a:t>The </a:t>
+            </a:r>
+            <a:r>
+              <a:rPr lang="en-US" dirty="0" err="1"/>
+              <a:t>addEventListener</a:t>
+            </a:r>
+            <a:r>
+              <a:rPr lang="en-US" dirty="0"/>
+              <a:t>() is an inbuilt function in JavaScript which takes the event to listen for, and a second argument to be called whenever the described event gets fired. Any number of event handlers can be added to a single element without overwriting existing event handlers. </a:t>
+            </a:r>
+          </a:p>
+          <a:p>
+            <a:r>
+              <a:rPr lang="en-US" dirty="0"/>
+              <a:t>Syntax:  </a:t>
+            </a:r>
+          </a:p>
+          <a:p>
+            <a:pPr lvl="1"/>
+            <a:r>
+              <a:rPr lang="en-US" dirty="0" err="1"/>
+              <a:t>element.addEventListener</a:t>
+            </a:r>
+            <a:r>
+              <a:rPr lang="en-US" dirty="0"/>
+              <a:t>(event, listener, </a:t>
+            </a:r>
+            <a:r>
+              <a:rPr lang="en-US" dirty="0" err="1"/>
+              <a:t>useCapture</a:t>
+            </a:r>
+            <a:r>
+              <a:rPr lang="en-US" dirty="0"/>
+              <a:t>);</a:t>
+            </a:r>
+          </a:p>
+          <a:p>
+            <a:r>
+              <a:rPr lang="en-US" dirty="0"/>
+              <a:t>Parameters: </a:t>
+            </a:r>
+          </a:p>
+          <a:p>
+            <a:pPr lvl="1"/>
+            <a:r>
+              <a:rPr lang="en-US" dirty="0"/>
+              <a:t>event : event can be any valid JavaScript </a:t>
+            </a:r>
+            <a:r>
+              <a:rPr lang="en-US" dirty="0" err="1"/>
+              <a:t>event.Events</a:t>
+            </a:r>
+            <a:r>
+              <a:rPr lang="en-US" dirty="0"/>
+              <a:t> are used without “on” prefix like use “click” instead of “onclick” or “</a:t>
+            </a:r>
+            <a:r>
+              <a:rPr lang="en-US" dirty="0" err="1"/>
+              <a:t>mousedown</a:t>
+            </a:r>
+            <a:r>
+              <a:rPr lang="en-US" dirty="0"/>
+              <a:t>” instead of “</a:t>
+            </a:r>
+            <a:r>
+              <a:rPr lang="en-US" dirty="0" err="1"/>
+              <a:t>onmousedown</a:t>
+            </a:r>
+            <a:r>
+              <a:rPr lang="en-US" dirty="0"/>
+              <a:t>”.</a:t>
+            </a:r>
+          </a:p>
+          <a:p>
+            <a:pPr lvl="1"/>
+            <a:r>
+              <a:rPr lang="en-US" dirty="0"/>
+              <a:t>listener(handler function) : It can be a JavaScript function which respond to the event occur.</a:t>
+            </a:r>
+          </a:p>
+          <a:p>
+            <a:pPr lvl="1"/>
+            <a:r>
+              <a:rPr lang="en-US" dirty="0" err="1"/>
+              <a:t>useCapture</a:t>
+            </a:r>
+            <a:r>
+              <a:rPr lang="en-US" dirty="0"/>
+              <a:t>: It is an optional parameter used to control event propagation. A </a:t>
+            </a:r>
+            <a:r>
+              <a:rPr lang="en-US" dirty="0" err="1"/>
+              <a:t>boolean</a:t>
+            </a:r>
+            <a:r>
+              <a:rPr lang="en-US" dirty="0"/>
+              <a:t> value is passed where “true” denotes capturing phase and “false” denotes the bubbling phase.</a:t>
+            </a:r>
+            <a:endParaRPr lang="en-IN" dirty="0"/>
           </a:p>
         </p:txBody>
       </p:sp>
@@ -5889,15 +9185,6 @@
 </file>
 
 <file path=customXml/item1.xml><?xml version="1.0" encoding="utf-8"?>
-<?mso-contentType ?>
-<FormTemplates xmlns="http://schemas.microsoft.com/sharepoint/v3/contenttype/forms">
-  <Display>DocumentLibraryForm</Display>
-  <Edit>DocumentLibraryForm</Edit>
-  <New>DocumentLibraryForm</New>
-</FormTemplates>
-</file>
-
-<file path=customXml/item2.xml><?xml version="1.0" encoding="utf-8"?>
 <ct:contentTypeSchema xmlns:ct="http://schemas.microsoft.com/office/2006/metadata/contentType" xmlns:ma="http://schemas.microsoft.com/office/2006/metadata/properties/metaAttributes" ct:_="" ma:_="" ma:contentTypeName="Document" ma:contentTypeID="0x01010025EC667E64F3664AA9FF84395B73BBB2" ma:contentTypeVersion="12" ma:contentTypeDescription="Create a new document." ma:contentTypeScope="" ma:versionID="6b12c4ceb98f90cef75c2b4a7241f9ea">
   <xsd:schema xmlns:xsd="http://www.w3.org/2001/XMLSchema" xmlns:xs="http://www.w3.org/2001/XMLSchema" xmlns:p="http://schemas.microsoft.com/office/2006/metadata/properties" xmlns:ns2="11dab2fc-a00f-488b-a519-3911044eea4e" xmlns:ns3="202a9836-ee93-41fb-ba3c-167105785a0d" targetNamespace="http://schemas.microsoft.com/office/2006/metadata/properties" ma:root="true" ma:fieldsID="c1df371a784d1a7c3bc1d50e69810467" ns2:_="" ns3:_="">
     <xsd:import namespace="11dab2fc-a00f-488b-a519-3911044eea4e"/>
@@ -6114,15 +9401,16 @@
 </ct:contentTypeSchema>
 </file>
 
-<file path=customXml/itemProps1.xml><?xml version="1.0" encoding="utf-8"?>
-<ds:datastoreItem xmlns:ds="http://schemas.openxmlformats.org/officeDocument/2006/customXml" ds:itemID="{A3B4725B-8B21-4EEC-A83D-EE16EA53B2DD}">
-  <ds:schemaRefs>
-    <ds:schemaRef ds:uri="http://schemas.microsoft.com/sharepoint/v3/contenttype/forms"/>
-  </ds:schemaRefs>
-</ds:datastoreItem>
+<file path=customXml/item2.xml><?xml version="1.0" encoding="utf-8"?>
+<?mso-contentType ?>
+<FormTemplates xmlns="http://schemas.microsoft.com/sharepoint/v3/contenttype/forms">
+  <Display>DocumentLibraryForm</Display>
+  <Edit>DocumentLibraryForm</Edit>
+  <New>DocumentLibraryForm</New>
+</FormTemplates>
 </file>
 
-<file path=customXml/itemProps2.xml><?xml version="1.0" encoding="utf-8"?>
+<file path=customXml/itemProps1.xml><?xml version="1.0" encoding="utf-8"?>
 <ds:datastoreItem xmlns:ds="http://schemas.openxmlformats.org/officeDocument/2006/customXml" ds:itemID="{20486665-A5B0-438C-93DB-CC09E005E6E4}">
   <ds:schemaRefs>
     <ds:schemaRef ds:uri="http://schemas.microsoft.com/office/2006/metadata/contentType"/>
@@ -6141,6 +9429,14 @@
 </ds:datastoreItem>
 </file>
 
+<file path=customXml/itemProps2.xml><?xml version="1.0" encoding="utf-8"?>
+<ds:datastoreItem xmlns:ds="http://schemas.openxmlformats.org/officeDocument/2006/customXml" ds:itemID="{A3B4725B-8B21-4EEC-A83D-EE16EA53B2DD}">
+  <ds:schemaRefs>
+    <ds:schemaRef ds:uri="http://schemas.microsoft.com/sharepoint/v3/contenttype/forms"/>
+  </ds:schemaRefs>
+</ds:datastoreItem>
+</file>
+
 <file path=docMetadata/LabelInfo.xml><?xml version="1.0" encoding="utf-8"?>
 <clbl:labelList xmlns:clbl="http://schemas.microsoft.com/office/2020/mipLabelMetadata">
   <clbl:label id="{0bfa236d-8472-42aa-9a40-ab46036c5596}" enabled="1" method="Privileged" siteId="{e0793d39-0939-496d-b129-198edd916feb}" removed="0"/>
